--- a/PathogenInteractionModels.pptx
+++ b/PathogenInteractionModels.pptx
@@ -2,7 +2,7 @@
 <file path=ppt/presentation.xml><?xml version="1.0" encoding="utf-8"?>
 <p:presentation xmlns:a="http://schemas.openxmlformats.org/drawingml/2006/main" xmlns:r="http://schemas.openxmlformats.org/officeDocument/2006/relationships" xmlns:p="http://schemas.openxmlformats.org/presentationml/2006/main" saveSubsetFonts="1" autoCompressPictures="0">
   <p:sldMasterIdLst>
-    <p:sldMasterId id="2147483660" r:id="rId1"/>
+    <p:sldMasterId id="2147483672" r:id="rId1"/>
   </p:sldMasterIdLst>
   <p:sldIdLst>
     <p:sldId id="256" r:id="rId2"/>
@@ -11,15 +11,16 @@
     <p:sldId id="259" r:id="rId5"/>
     <p:sldId id="260" r:id="rId6"/>
     <p:sldId id="261" r:id="rId7"/>
+    <p:sldId id="262" r:id="rId8"/>
   </p:sldIdLst>
-  <p:sldSz cx="9144000" cy="6858000" type="screen4x3"/>
+  <p:sldSz cx="18288000" cy="12801600"/>
   <p:notesSz cx="6858000" cy="9144000"/>
   <p:defaultTextStyle>
     <a:defPPr>
       <a:defRPr lang="en-US"/>
     </a:defPPr>
-    <a:lvl1pPr marL="0" algn="l" defTabSz="914400" rtl="0" eaLnBrk="1" latinLnBrk="0" hangingPunct="1">
-      <a:defRPr sz="1800" kern="1200">
+    <a:lvl1pPr marL="0" algn="l" defTabSz="1776496" rtl="0" eaLnBrk="1" latinLnBrk="0" hangingPunct="1">
+      <a:defRPr sz="3497" kern="1200">
         <a:solidFill>
           <a:schemeClr val="tx1"/>
         </a:solidFill>
@@ -28,8 +29,8 @@
         <a:cs typeface="+mn-cs"/>
       </a:defRPr>
     </a:lvl1pPr>
-    <a:lvl2pPr marL="457200" algn="l" defTabSz="914400" rtl="0" eaLnBrk="1" latinLnBrk="0" hangingPunct="1">
-      <a:defRPr sz="1800" kern="1200">
+    <a:lvl2pPr marL="888248" algn="l" defTabSz="1776496" rtl="0" eaLnBrk="1" latinLnBrk="0" hangingPunct="1">
+      <a:defRPr sz="3497" kern="1200">
         <a:solidFill>
           <a:schemeClr val="tx1"/>
         </a:solidFill>
@@ -38,8 +39,8 @@
         <a:cs typeface="+mn-cs"/>
       </a:defRPr>
     </a:lvl2pPr>
-    <a:lvl3pPr marL="914400" algn="l" defTabSz="914400" rtl="0" eaLnBrk="1" latinLnBrk="0" hangingPunct="1">
-      <a:defRPr sz="1800" kern="1200">
+    <a:lvl3pPr marL="1776496" algn="l" defTabSz="1776496" rtl="0" eaLnBrk="1" latinLnBrk="0" hangingPunct="1">
+      <a:defRPr sz="3497" kern="1200">
         <a:solidFill>
           <a:schemeClr val="tx1"/>
         </a:solidFill>
@@ -48,8 +49,8 @@
         <a:cs typeface="+mn-cs"/>
       </a:defRPr>
     </a:lvl3pPr>
-    <a:lvl4pPr marL="1371600" algn="l" defTabSz="914400" rtl="0" eaLnBrk="1" latinLnBrk="0" hangingPunct="1">
-      <a:defRPr sz="1800" kern="1200">
+    <a:lvl4pPr marL="2664744" algn="l" defTabSz="1776496" rtl="0" eaLnBrk="1" latinLnBrk="0" hangingPunct="1">
+      <a:defRPr sz="3497" kern="1200">
         <a:solidFill>
           <a:schemeClr val="tx1"/>
         </a:solidFill>
@@ -58,8 +59,8 @@
         <a:cs typeface="+mn-cs"/>
       </a:defRPr>
     </a:lvl4pPr>
-    <a:lvl5pPr marL="1828800" algn="l" defTabSz="914400" rtl="0" eaLnBrk="1" latinLnBrk="0" hangingPunct="1">
-      <a:defRPr sz="1800" kern="1200">
+    <a:lvl5pPr marL="3552993" algn="l" defTabSz="1776496" rtl="0" eaLnBrk="1" latinLnBrk="0" hangingPunct="1">
+      <a:defRPr sz="3497" kern="1200">
         <a:solidFill>
           <a:schemeClr val="tx1"/>
         </a:solidFill>
@@ -68,8 +69,8 @@
         <a:cs typeface="+mn-cs"/>
       </a:defRPr>
     </a:lvl5pPr>
-    <a:lvl6pPr marL="2286000" algn="l" defTabSz="914400" rtl="0" eaLnBrk="1" latinLnBrk="0" hangingPunct="1">
-      <a:defRPr sz="1800" kern="1200">
+    <a:lvl6pPr marL="4441241" algn="l" defTabSz="1776496" rtl="0" eaLnBrk="1" latinLnBrk="0" hangingPunct="1">
+      <a:defRPr sz="3497" kern="1200">
         <a:solidFill>
           <a:schemeClr val="tx1"/>
         </a:solidFill>
@@ -78,8 +79,8 @@
         <a:cs typeface="+mn-cs"/>
       </a:defRPr>
     </a:lvl6pPr>
-    <a:lvl7pPr marL="2743200" algn="l" defTabSz="914400" rtl="0" eaLnBrk="1" latinLnBrk="0" hangingPunct="1">
-      <a:defRPr sz="1800" kern="1200">
+    <a:lvl7pPr marL="5329489" algn="l" defTabSz="1776496" rtl="0" eaLnBrk="1" latinLnBrk="0" hangingPunct="1">
+      <a:defRPr sz="3497" kern="1200">
         <a:solidFill>
           <a:schemeClr val="tx1"/>
         </a:solidFill>
@@ -88,8 +89,8 @@
         <a:cs typeface="+mn-cs"/>
       </a:defRPr>
     </a:lvl7pPr>
-    <a:lvl8pPr marL="3200400" algn="l" defTabSz="914400" rtl="0" eaLnBrk="1" latinLnBrk="0" hangingPunct="1">
-      <a:defRPr sz="1800" kern="1200">
+    <a:lvl8pPr marL="6217737" algn="l" defTabSz="1776496" rtl="0" eaLnBrk="1" latinLnBrk="0" hangingPunct="1">
+      <a:defRPr sz="3497" kern="1200">
         <a:solidFill>
           <a:schemeClr val="tx1"/>
         </a:solidFill>
@@ -98,8 +99,8 @@
         <a:cs typeface="+mn-cs"/>
       </a:defRPr>
     </a:lvl8pPr>
-    <a:lvl9pPr marL="3657600" algn="l" defTabSz="914400" rtl="0" eaLnBrk="1" latinLnBrk="0" hangingPunct="1">
-      <a:defRPr sz="1800" kern="1200">
+    <a:lvl9pPr marL="7105985" algn="l" defTabSz="1776496" rtl="0" eaLnBrk="1" latinLnBrk="0" hangingPunct="1">
+      <a:defRPr sz="3497" kern="1200">
         <a:solidFill>
           <a:schemeClr val="tx1"/>
         </a:solidFill>
@@ -109,6 +110,11 @@
       </a:defRPr>
     </a:lvl9pPr>
   </p:defaultTextStyle>
+  <p:extLst>
+    <p:ext uri="{EFAFB233-063F-42B5-8137-9DF3F51BA10A}">
+      <p15:sldGuideLst xmlns:p15="http://schemas.microsoft.com/office/powerpoint/2012/main"/>
+    </p:ext>
+  </p:extLst>
 </p:presentation>
 </file>
 
@@ -141,15 +147,15 @@
         </p:nvSpPr>
         <p:spPr>
           <a:xfrm>
-            <a:off x="685800" y="1122363"/>
-            <a:ext cx="7772400" cy="2387600"/>
+            <a:off x="1371600" y="2095078"/>
+            <a:ext cx="15544800" cy="4456853"/>
           </a:xfrm>
         </p:spPr>
         <p:txBody>
           <a:bodyPr anchor="b"/>
           <a:lstStyle>
             <a:lvl1pPr algn="ctr">
-              <a:defRPr sz="6000"/>
+              <a:defRPr sz="11200"/>
             </a:lvl1pPr>
           </a:lstStyle>
           <a:p>
@@ -173,8 +179,8 @@
         </p:nvSpPr>
         <p:spPr>
           <a:xfrm>
-            <a:off x="1143000" y="3602038"/>
-            <a:ext cx="6858000" cy="1655762"/>
+            <a:off x="2286000" y="6723804"/>
+            <a:ext cx="13716000" cy="3090756"/>
           </a:xfrm>
         </p:spPr>
         <p:txBody>
@@ -182,39 +188,39 @@
           <a:lstStyle>
             <a:lvl1pPr marL="0" indent="0" algn="ctr">
               <a:buNone/>
-              <a:defRPr sz="2400"/>
+              <a:defRPr sz="4480"/>
             </a:lvl1pPr>
-            <a:lvl2pPr marL="457200" indent="0" algn="ctr">
+            <a:lvl2pPr marL="853455" indent="0" algn="ctr">
               <a:buNone/>
-              <a:defRPr sz="2000"/>
+              <a:defRPr sz="3733"/>
             </a:lvl2pPr>
-            <a:lvl3pPr marL="914400" indent="0" algn="ctr">
+            <a:lvl3pPr marL="1706910" indent="0" algn="ctr">
               <a:buNone/>
-              <a:defRPr sz="1800"/>
+              <a:defRPr sz="3360"/>
             </a:lvl3pPr>
-            <a:lvl4pPr marL="1371600" indent="0" algn="ctr">
+            <a:lvl4pPr marL="2560366" indent="0" algn="ctr">
               <a:buNone/>
-              <a:defRPr sz="1600"/>
+              <a:defRPr sz="2987"/>
             </a:lvl4pPr>
-            <a:lvl5pPr marL="1828800" indent="0" algn="ctr">
+            <a:lvl5pPr marL="3413821" indent="0" algn="ctr">
               <a:buNone/>
-              <a:defRPr sz="1600"/>
+              <a:defRPr sz="2987"/>
             </a:lvl5pPr>
-            <a:lvl6pPr marL="2286000" indent="0" algn="ctr">
+            <a:lvl6pPr marL="4267276" indent="0" algn="ctr">
               <a:buNone/>
-              <a:defRPr sz="1600"/>
+              <a:defRPr sz="2987"/>
             </a:lvl6pPr>
-            <a:lvl7pPr marL="2743200" indent="0" algn="ctr">
+            <a:lvl7pPr marL="5120731" indent="0" algn="ctr">
               <a:buNone/>
-              <a:defRPr sz="1600"/>
+              <a:defRPr sz="2987"/>
             </a:lvl7pPr>
-            <a:lvl8pPr marL="3200400" indent="0" algn="ctr">
+            <a:lvl8pPr marL="5974187" indent="0" algn="ctr">
               <a:buNone/>
-              <a:defRPr sz="1600"/>
+              <a:defRPr sz="2987"/>
             </a:lvl8pPr>
-            <a:lvl9pPr marL="3657600" indent="0" algn="ctr">
+            <a:lvl9pPr marL="6827642" indent="0" algn="ctr">
               <a:buNone/>
-              <a:defRPr sz="1600"/>
+              <a:defRPr sz="2987"/>
             </a:lvl9pPr>
           </a:lstStyle>
           <a:p>
@@ -243,7 +249,7 @@
           <a:p>
             <a:fld id="{8B338BD9-0081-1049-9231-E1F3768EE062}" type="datetimeFigureOut">
               <a:rPr lang="en-US" smtClean="0"/>
-              <a:t>9/26/17</a:t>
+              <a:t>10/10/18</a:t>
             </a:fld>
             <a:endParaRPr lang="en-US"/>
           </a:p>
@@ -294,7 +300,7 @@
     </p:spTree>
     <p:extLst>
       <p:ext uri="{BB962C8B-B14F-4D97-AF65-F5344CB8AC3E}">
-        <p14:creationId xmlns:p14="http://schemas.microsoft.com/office/powerpoint/2010/main" val="922132449"/>
+        <p14:creationId xmlns:p14="http://schemas.microsoft.com/office/powerpoint/2010/main" val="187916888"/>
       </p:ext>
     </p:extLst>
   </p:cSld>
@@ -413,7 +419,7 @@
           <a:p>
             <a:fld id="{8B338BD9-0081-1049-9231-E1F3768EE062}" type="datetimeFigureOut">
               <a:rPr lang="en-US" smtClean="0"/>
-              <a:t>9/26/17</a:t>
+              <a:t>10/10/18</a:t>
             </a:fld>
             <a:endParaRPr lang="en-US"/>
           </a:p>
@@ -464,7 +470,7 @@
     </p:spTree>
     <p:extLst>
       <p:ext uri="{BB962C8B-B14F-4D97-AF65-F5344CB8AC3E}">
-        <p14:creationId xmlns:p14="http://schemas.microsoft.com/office/powerpoint/2010/main" val="667895501"/>
+        <p14:creationId xmlns:p14="http://schemas.microsoft.com/office/powerpoint/2010/main" val="1319416522"/>
       </p:ext>
     </p:extLst>
   </p:cSld>
@@ -503,8 +509,8 @@
         </p:nvSpPr>
         <p:spPr>
           <a:xfrm>
-            <a:off x="6543675" y="365125"/>
-            <a:ext cx="1971675" cy="5811838"/>
+            <a:off x="13087351" y="681567"/>
+            <a:ext cx="3943350" cy="10848764"/>
           </a:xfrm>
         </p:spPr>
         <p:txBody>
@@ -531,8 +537,8 @@
         </p:nvSpPr>
         <p:spPr>
           <a:xfrm>
-            <a:off x="628650" y="365125"/>
-            <a:ext cx="5800725" cy="5811838"/>
+            <a:off x="1257301" y="681567"/>
+            <a:ext cx="11601450" cy="10848764"/>
           </a:xfrm>
         </p:spPr>
         <p:txBody>
@@ -593,7 +599,7 @@
           <a:p>
             <a:fld id="{8B338BD9-0081-1049-9231-E1F3768EE062}" type="datetimeFigureOut">
               <a:rPr lang="en-US" smtClean="0"/>
-              <a:t>9/26/17</a:t>
+              <a:t>10/10/18</a:t>
             </a:fld>
             <a:endParaRPr lang="en-US"/>
           </a:p>
@@ -644,7 +650,7 @@
     </p:spTree>
     <p:extLst>
       <p:ext uri="{BB962C8B-B14F-4D97-AF65-F5344CB8AC3E}">
-        <p14:creationId xmlns:p14="http://schemas.microsoft.com/office/powerpoint/2010/main" val="422662438"/>
+        <p14:creationId xmlns:p14="http://schemas.microsoft.com/office/powerpoint/2010/main" val="517346332"/>
       </p:ext>
     </p:extLst>
   </p:cSld>
@@ -763,7 +769,7 @@
           <a:p>
             <a:fld id="{8B338BD9-0081-1049-9231-E1F3768EE062}" type="datetimeFigureOut">
               <a:rPr lang="en-US" smtClean="0"/>
-              <a:t>9/26/17</a:t>
+              <a:t>10/10/18</a:t>
             </a:fld>
             <a:endParaRPr lang="en-US"/>
           </a:p>
@@ -814,7 +820,7 @@
     </p:spTree>
     <p:extLst>
       <p:ext uri="{BB962C8B-B14F-4D97-AF65-F5344CB8AC3E}">
-        <p14:creationId xmlns:p14="http://schemas.microsoft.com/office/powerpoint/2010/main" val="2038073591"/>
+        <p14:creationId xmlns:p14="http://schemas.microsoft.com/office/powerpoint/2010/main" val="1518175526"/>
       </p:ext>
     </p:extLst>
   </p:cSld>
@@ -853,15 +859,15 @@
         </p:nvSpPr>
         <p:spPr>
           <a:xfrm>
-            <a:off x="623888" y="1709739"/>
-            <a:ext cx="7886700" cy="2852737"/>
+            <a:off x="1247776" y="3191514"/>
+            <a:ext cx="15773400" cy="5325109"/>
           </a:xfrm>
         </p:spPr>
         <p:txBody>
           <a:bodyPr anchor="b"/>
           <a:lstStyle>
             <a:lvl1pPr>
-              <a:defRPr sz="6000"/>
+              <a:defRPr sz="11200"/>
             </a:lvl1pPr>
           </a:lstStyle>
           <a:p>
@@ -885,8 +891,8 @@
         </p:nvSpPr>
         <p:spPr>
           <a:xfrm>
-            <a:off x="623888" y="4589464"/>
-            <a:ext cx="7886700" cy="1500187"/>
+            <a:off x="1247776" y="8567000"/>
+            <a:ext cx="15773400" cy="2800349"/>
           </a:xfrm>
         </p:spPr>
         <p:txBody>
@@ -894,15 +900,15 @@
           <a:lstStyle>
             <a:lvl1pPr marL="0" indent="0">
               <a:buNone/>
-              <a:defRPr sz="2400">
+              <a:defRPr sz="4480">
                 <a:solidFill>
                   <a:schemeClr val="tx1"/>
                 </a:solidFill>
               </a:defRPr>
             </a:lvl1pPr>
-            <a:lvl2pPr marL="457200" indent="0">
+            <a:lvl2pPr marL="853455" indent="0">
               <a:buNone/>
-              <a:defRPr sz="2000">
+              <a:defRPr sz="3733">
                 <a:solidFill>
                   <a:schemeClr val="tx1">
                     <a:tint val="75000"/>
@@ -910,9 +916,9 @@
                 </a:solidFill>
               </a:defRPr>
             </a:lvl2pPr>
-            <a:lvl3pPr marL="914400" indent="0">
+            <a:lvl3pPr marL="1706910" indent="0">
               <a:buNone/>
-              <a:defRPr sz="1800">
+              <a:defRPr sz="3360">
                 <a:solidFill>
                   <a:schemeClr val="tx1">
                     <a:tint val="75000"/>
@@ -920,9 +926,9 @@
                 </a:solidFill>
               </a:defRPr>
             </a:lvl3pPr>
-            <a:lvl4pPr marL="1371600" indent="0">
+            <a:lvl4pPr marL="2560366" indent="0">
               <a:buNone/>
-              <a:defRPr sz="1600">
+              <a:defRPr sz="2987">
                 <a:solidFill>
                   <a:schemeClr val="tx1">
                     <a:tint val="75000"/>
@@ -930,9 +936,9 @@
                 </a:solidFill>
               </a:defRPr>
             </a:lvl4pPr>
-            <a:lvl5pPr marL="1828800" indent="0">
+            <a:lvl5pPr marL="3413821" indent="0">
               <a:buNone/>
-              <a:defRPr sz="1600">
+              <a:defRPr sz="2987">
                 <a:solidFill>
                   <a:schemeClr val="tx1">
                     <a:tint val="75000"/>
@@ -940,9 +946,9 @@
                 </a:solidFill>
               </a:defRPr>
             </a:lvl5pPr>
-            <a:lvl6pPr marL="2286000" indent="0">
+            <a:lvl6pPr marL="4267276" indent="0">
               <a:buNone/>
-              <a:defRPr sz="1600">
+              <a:defRPr sz="2987">
                 <a:solidFill>
                   <a:schemeClr val="tx1">
                     <a:tint val="75000"/>
@@ -950,9 +956,9 @@
                 </a:solidFill>
               </a:defRPr>
             </a:lvl6pPr>
-            <a:lvl7pPr marL="2743200" indent="0">
+            <a:lvl7pPr marL="5120731" indent="0">
               <a:buNone/>
-              <a:defRPr sz="1600">
+              <a:defRPr sz="2987">
                 <a:solidFill>
                   <a:schemeClr val="tx1">
                     <a:tint val="75000"/>
@@ -960,9 +966,9 @@
                 </a:solidFill>
               </a:defRPr>
             </a:lvl7pPr>
-            <a:lvl8pPr marL="3200400" indent="0">
+            <a:lvl8pPr marL="5974187" indent="0">
               <a:buNone/>
-              <a:defRPr sz="1600">
+              <a:defRPr sz="2987">
                 <a:solidFill>
                   <a:schemeClr val="tx1">
                     <a:tint val="75000"/>
@@ -970,9 +976,9 @@
                 </a:solidFill>
               </a:defRPr>
             </a:lvl8pPr>
-            <a:lvl9pPr marL="3657600" indent="0">
+            <a:lvl9pPr marL="6827642" indent="0">
               <a:buNone/>
-              <a:defRPr sz="1600">
+              <a:defRPr sz="2987">
                 <a:solidFill>
                   <a:schemeClr val="tx1">
                     <a:tint val="75000"/>
@@ -1007,7 +1013,7 @@
           <a:p>
             <a:fld id="{8B338BD9-0081-1049-9231-E1F3768EE062}" type="datetimeFigureOut">
               <a:rPr lang="en-US" smtClean="0"/>
-              <a:t>9/26/17</a:t>
+              <a:t>10/10/18</a:t>
             </a:fld>
             <a:endParaRPr lang="en-US"/>
           </a:p>
@@ -1058,7 +1064,7 @@
     </p:spTree>
     <p:extLst>
       <p:ext uri="{BB962C8B-B14F-4D97-AF65-F5344CB8AC3E}">
-        <p14:creationId xmlns:p14="http://schemas.microsoft.com/office/powerpoint/2010/main" val="1538674287"/>
+        <p14:creationId xmlns:p14="http://schemas.microsoft.com/office/powerpoint/2010/main" val="1722855475"/>
       </p:ext>
     </p:extLst>
   </p:cSld>
@@ -1120,8 +1126,8 @@
         </p:nvSpPr>
         <p:spPr>
           <a:xfrm>
-            <a:off x="628650" y="1825625"/>
-            <a:ext cx="3886200" cy="4351338"/>
+            <a:off x="1257300" y="3407833"/>
+            <a:ext cx="7772400" cy="8122498"/>
           </a:xfrm>
         </p:spPr>
         <p:txBody>
@@ -1177,8 +1183,8 @@
         </p:nvSpPr>
         <p:spPr>
           <a:xfrm>
-            <a:off x="4629150" y="1825625"/>
-            <a:ext cx="3886200" cy="4351338"/>
+            <a:off x="9258300" y="3407833"/>
+            <a:ext cx="7772400" cy="8122498"/>
           </a:xfrm>
         </p:spPr>
         <p:txBody>
@@ -1239,7 +1245,7 @@
           <a:p>
             <a:fld id="{8B338BD9-0081-1049-9231-E1F3768EE062}" type="datetimeFigureOut">
               <a:rPr lang="en-US" smtClean="0"/>
-              <a:t>9/26/17</a:t>
+              <a:t>10/10/18</a:t>
             </a:fld>
             <a:endParaRPr lang="en-US"/>
           </a:p>
@@ -1290,7 +1296,7 @@
     </p:spTree>
     <p:extLst>
       <p:ext uri="{BB962C8B-B14F-4D97-AF65-F5344CB8AC3E}">
-        <p14:creationId xmlns:p14="http://schemas.microsoft.com/office/powerpoint/2010/main" val="500664435"/>
+        <p14:creationId xmlns:p14="http://schemas.microsoft.com/office/powerpoint/2010/main" val="1509955824"/>
       </p:ext>
     </p:extLst>
   </p:cSld>
@@ -1329,8 +1335,8 @@
         </p:nvSpPr>
         <p:spPr>
           <a:xfrm>
-            <a:off x="629841" y="365126"/>
-            <a:ext cx="7886700" cy="1325563"/>
+            <a:off x="1259682" y="681570"/>
+            <a:ext cx="15773400" cy="2474384"/>
           </a:xfrm>
         </p:spPr>
         <p:txBody>
@@ -1357,8 +1363,8 @@
         </p:nvSpPr>
         <p:spPr>
           <a:xfrm>
-            <a:off x="629842" y="1681163"/>
-            <a:ext cx="3868340" cy="823912"/>
+            <a:off x="1259684" y="3138171"/>
+            <a:ext cx="7736680" cy="1537969"/>
           </a:xfrm>
         </p:spPr>
         <p:txBody>
@@ -1366,39 +1372,39 @@
           <a:lstStyle>
             <a:lvl1pPr marL="0" indent="0">
               <a:buNone/>
-              <a:defRPr sz="2400" b="1"/>
+              <a:defRPr sz="4480" b="1"/>
             </a:lvl1pPr>
-            <a:lvl2pPr marL="457200" indent="0">
+            <a:lvl2pPr marL="853455" indent="0">
               <a:buNone/>
-              <a:defRPr sz="2000" b="1"/>
+              <a:defRPr sz="3733" b="1"/>
             </a:lvl2pPr>
-            <a:lvl3pPr marL="914400" indent="0">
+            <a:lvl3pPr marL="1706910" indent="0">
               <a:buNone/>
-              <a:defRPr sz="1800" b="1"/>
+              <a:defRPr sz="3360" b="1"/>
             </a:lvl3pPr>
-            <a:lvl4pPr marL="1371600" indent="0">
+            <a:lvl4pPr marL="2560366" indent="0">
               <a:buNone/>
-              <a:defRPr sz="1600" b="1"/>
+              <a:defRPr sz="2987" b="1"/>
             </a:lvl4pPr>
-            <a:lvl5pPr marL="1828800" indent="0">
+            <a:lvl5pPr marL="3413821" indent="0">
               <a:buNone/>
-              <a:defRPr sz="1600" b="1"/>
+              <a:defRPr sz="2987" b="1"/>
             </a:lvl5pPr>
-            <a:lvl6pPr marL="2286000" indent="0">
+            <a:lvl6pPr marL="4267276" indent="0">
               <a:buNone/>
-              <a:defRPr sz="1600" b="1"/>
+              <a:defRPr sz="2987" b="1"/>
             </a:lvl6pPr>
-            <a:lvl7pPr marL="2743200" indent="0">
+            <a:lvl7pPr marL="5120731" indent="0">
               <a:buNone/>
-              <a:defRPr sz="1600" b="1"/>
+              <a:defRPr sz="2987" b="1"/>
             </a:lvl7pPr>
-            <a:lvl8pPr marL="3200400" indent="0">
+            <a:lvl8pPr marL="5974187" indent="0">
               <a:buNone/>
-              <a:defRPr sz="1600" b="1"/>
+              <a:defRPr sz="2987" b="1"/>
             </a:lvl8pPr>
-            <a:lvl9pPr marL="3657600" indent="0">
+            <a:lvl9pPr marL="6827642" indent="0">
               <a:buNone/>
-              <a:defRPr sz="1600" b="1"/>
+              <a:defRPr sz="2987" b="1"/>
             </a:lvl9pPr>
           </a:lstStyle>
           <a:p>
@@ -1422,8 +1428,8 @@
         </p:nvSpPr>
         <p:spPr>
           <a:xfrm>
-            <a:off x="629842" y="2505075"/>
-            <a:ext cx="3868340" cy="3684588"/>
+            <a:off x="1259684" y="4676140"/>
+            <a:ext cx="7736680" cy="6877898"/>
           </a:xfrm>
         </p:spPr>
         <p:txBody>
@@ -1479,8 +1485,8 @@
         </p:nvSpPr>
         <p:spPr>
           <a:xfrm>
-            <a:off x="4629150" y="1681163"/>
-            <a:ext cx="3887391" cy="823912"/>
+            <a:off x="9258301" y="3138171"/>
+            <a:ext cx="7774782" cy="1537969"/>
           </a:xfrm>
         </p:spPr>
         <p:txBody>
@@ -1488,39 +1494,39 @@
           <a:lstStyle>
             <a:lvl1pPr marL="0" indent="0">
               <a:buNone/>
-              <a:defRPr sz="2400" b="1"/>
+              <a:defRPr sz="4480" b="1"/>
             </a:lvl1pPr>
-            <a:lvl2pPr marL="457200" indent="0">
+            <a:lvl2pPr marL="853455" indent="0">
               <a:buNone/>
-              <a:defRPr sz="2000" b="1"/>
+              <a:defRPr sz="3733" b="1"/>
             </a:lvl2pPr>
-            <a:lvl3pPr marL="914400" indent="0">
+            <a:lvl3pPr marL="1706910" indent="0">
               <a:buNone/>
-              <a:defRPr sz="1800" b="1"/>
+              <a:defRPr sz="3360" b="1"/>
             </a:lvl3pPr>
-            <a:lvl4pPr marL="1371600" indent="0">
+            <a:lvl4pPr marL="2560366" indent="0">
               <a:buNone/>
-              <a:defRPr sz="1600" b="1"/>
+              <a:defRPr sz="2987" b="1"/>
             </a:lvl4pPr>
-            <a:lvl5pPr marL="1828800" indent="0">
+            <a:lvl5pPr marL="3413821" indent="0">
               <a:buNone/>
-              <a:defRPr sz="1600" b="1"/>
+              <a:defRPr sz="2987" b="1"/>
             </a:lvl5pPr>
-            <a:lvl6pPr marL="2286000" indent="0">
+            <a:lvl6pPr marL="4267276" indent="0">
               <a:buNone/>
-              <a:defRPr sz="1600" b="1"/>
+              <a:defRPr sz="2987" b="1"/>
             </a:lvl6pPr>
-            <a:lvl7pPr marL="2743200" indent="0">
+            <a:lvl7pPr marL="5120731" indent="0">
               <a:buNone/>
-              <a:defRPr sz="1600" b="1"/>
+              <a:defRPr sz="2987" b="1"/>
             </a:lvl7pPr>
-            <a:lvl8pPr marL="3200400" indent="0">
+            <a:lvl8pPr marL="5974187" indent="0">
               <a:buNone/>
-              <a:defRPr sz="1600" b="1"/>
+              <a:defRPr sz="2987" b="1"/>
             </a:lvl8pPr>
-            <a:lvl9pPr marL="3657600" indent="0">
+            <a:lvl9pPr marL="6827642" indent="0">
               <a:buNone/>
-              <a:defRPr sz="1600" b="1"/>
+              <a:defRPr sz="2987" b="1"/>
             </a:lvl9pPr>
           </a:lstStyle>
           <a:p>
@@ -1544,8 +1550,8 @@
         </p:nvSpPr>
         <p:spPr>
           <a:xfrm>
-            <a:off x="4629150" y="2505075"/>
-            <a:ext cx="3887391" cy="3684588"/>
+            <a:off x="9258301" y="4676140"/>
+            <a:ext cx="7774782" cy="6877898"/>
           </a:xfrm>
         </p:spPr>
         <p:txBody>
@@ -1606,7 +1612,7 @@
           <a:p>
             <a:fld id="{8B338BD9-0081-1049-9231-E1F3768EE062}" type="datetimeFigureOut">
               <a:rPr lang="en-US" smtClean="0"/>
-              <a:t>9/26/17</a:t>
+              <a:t>10/10/18</a:t>
             </a:fld>
             <a:endParaRPr lang="en-US"/>
           </a:p>
@@ -1657,7 +1663,7 @@
     </p:spTree>
     <p:extLst>
       <p:ext uri="{BB962C8B-B14F-4D97-AF65-F5344CB8AC3E}">
-        <p14:creationId xmlns:p14="http://schemas.microsoft.com/office/powerpoint/2010/main" val="826230099"/>
+        <p14:creationId xmlns:p14="http://schemas.microsoft.com/office/powerpoint/2010/main" val="1013277369"/>
       </p:ext>
     </p:extLst>
   </p:cSld>
@@ -1724,7 +1730,7 @@
           <a:p>
             <a:fld id="{8B338BD9-0081-1049-9231-E1F3768EE062}" type="datetimeFigureOut">
               <a:rPr lang="en-US" smtClean="0"/>
-              <a:t>9/26/17</a:t>
+              <a:t>10/10/18</a:t>
             </a:fld>
             <a:endParaRPr lang="en-US"/>
           </a:p>
@@ -1775,7 +1781,7 @@
     </p:spTree>
     <p:extLst>
       <p:ext uri="{BB962C8B-B14F-4D97-AF65-F5344CB8AC3E}">
-        <p14:creationId xmlns:p14="http://schemas.microsoft.com/office/powerpoint/2010/main" val="820012391"/>
+        <p14:creationId xmlns:p14="http://schemas.microsoft.com/office/powerpoint/2010/main" val="607420073"/>
       </p:ext>
     </p:extLst>
   </p:cSld>
@@ -1819,7 +1825,7 @@
           <a:p>
             <a:fld id="{8B338BD9-0081-1049-9231-E1F3768EE062}" type="datetimeFigureOut">
               <a:rPr lang="en-US" smtClean="0"/>
-              <a:t>9/26/17</a:t>
+              <a:t>10/10/18</a:t>
             </a:fld>
             <a:endParaRPr lang="en-US"/>
           </a:p>
@@ -1870,7 +1876,7 @@
     </p:spTree>
     <p:extLst>
       <p:ext uri="{BB962C8B-B14F-4D97-AF65-F5344CB8AC3E}">
-        <p14:creationId xmlns:p14="http://schemas.microsoft.com/office/powerpoint/2010/main" val="1545692738"/>
+        <p14:creationId xmlns:p14="http://schemas.microsoft.com/office/powerpoint/2010/main" val="1919392720"/>
       </p:ext>
     </p:extLst>
   </p:cSld>
@@ -1909,15 +1915,15 @@
         </p:nvSpPr>
         <p:spPr>
           <a:xfrm>
-            <a:off x="629841" y="457200"/>
-            <a:ext cx="2949178" cy="1600200"/>
+            <a:off x="1259682" y="853440"/>
+            <a:ext cx="5898356" cy="2987040"/>
           </a:xfrm>
         </p:spPr>
         <p:txBody>
           <a:bodyPr anchor="b"/>
           <a:lstStyle>
             <a:lvl1pPr>
-              <a:defRPr sz="3200"/>
+              <a:defRPr sz="5973"/>
             </a:lvl1pPr>
           </a:lstStyle>
           <a:p>
@@ -1941,39 +1947,39 @@
         </p:nvSpPr>
         <p:spPr>
           <a:xfrm>
-            <a:off x="3887391" y="987426"/>
-            <a:ext cx="4629150" cy="4873625"/>
+            <a:off x="7774782" y="1843196"/>
+            <a:ext cx="9258300" cy="9097433"/>
           </a:xfrm>
         </p:spPr>
         <p:txBody>
           <a:bodyPr/>
           <a:lstStyle>
             <a:lvl1pPr>
-              <a:defRPr sz="3200"/>
+              <a:defRPr sz="5973"/>
             </a:lvl1pPr>
             <a:lvl2pPr>
-              <a:defRPr sz="2800"/>
+              <a:defRPr sz="5227"/>
             </a:lvl2pPr>
             <a:lvl3pPr>
-              <a:defRPr sz="2400"/>
+              <a:defRPr sz="4480"/>
             </a:lvl3pPr>
             <a:lvl4pPr>
-              <a:defRPr sz="2000"/>
+              <a:defRPr sz="3733"/>
             </a:lvl4pPr>
             <a:lvl5pPr>
-              <a:defRPr sz="2000"/>
+              <a:defRPr sz="3733"/>
             </a:lvl5pPr>
             <a:lvl6pPr>
-              <a:defRPr sz="2000"/>
+              <a:defRPr sz="3733"/>
             </a:lvl6pPr>
             <a:lvl7pPr>
-              <a:defRPr sz="2000"/>
+              <a:defRPr sz="3733"/>
             </a:lvl7pPr>
             <a:lvl8pPr>
-              <a:defRPr sz="2000"/>
+              <a:defRPr sz="3733"/>
             </a:lvl8pPr>
             <a:lvl9pPr>
-              <a:defRPr sz="2000"/>
+              <a:defRPr sz="3733"/>
             </a:lvl9pPr>
           </a:lstStyle>
           <a:p>
@@ -2026,8 +2032,8 @@
         </p:nvSpPr>
         <p:spPr>
           <a:xfrm>
-            <a:off x="629841" y="2057400"/>
-            <a:ext cx="2949178" cy="3811588"/>
+            <a:off x="1259682" y="3840480"/>
+            <a:ext cx="5898356" cy="7114964"/>
           </a:xfrm>
         </p:spPr>
         <p:txBody>
@@ -2035,39 +2041,39 @@
           <a:lstStyle>
             <a:lvl1pPr marL="0" indent="0">
               <a:buNone/>
-              <a:defRPr sz="1600"/>
+              <a:defRPr sz="2987"/>
             </a:lvl1pPr>
-            <a:lvl2pPr marL="457200" indent="0">
+            <a:lvl2pPr marL="853455" indent="0">
               <a:buNone/>
-              <a:defRPr sz="1400"/>
+              <a:defRPr sz="2613"/>
             </a:lvl2pPr>
-            <a:lvl3pPr marL="914400" indent="0">
+            <a:lvl3pPr marL="1706910" indent="0">
               <a:buNone/>
-              <a:defRPr sz="1200"/>
+              <a:defRPr sz="2240"/>
             </a:lvl3pPr>
-            <a:lvl4pPr marL="1371600" indent="0">
+            <a:lvl4pPr marL="2560366" indent="0">
               <a:buNone/>
-              <a:defRPr sz="1000"/>
+              <a:defRPr sz="1867"/>
             </a:lvl4pPr>
-            <a:lvl5pPr marL="1828800" indent="0">
+            <a:lvl5pPr marL="3413821" indent="0">
               <a:buNone/>
-              <a:defRPr sz="1000"/>
+              <a:defRPr sz="1867"/>
             </a:lvl5pPr>
-            <a:lvl6pPr marL="2286000" indent="0">
+            <a:lvl6pPr marL="4267276" indent="0">
               <a:buNone/>
-              <a:defRPr sz="1000"/>
+              <a:defRPr sz="1867"/>
             </a:lvl6pPr>
-            <a:lvl7pPr marL="2743200" indent="0">
+            <a:lvl7pPr marL="5120731" indent="0">
               <a:buNone/>
-              <a:defRPr sz="1000"/>
+              <a:defRPr sz="1867"/>
             </a:lvl7pPr>
-            <a:lvl8pPr marL="3200400" indent="0">
+            <a:lvl8pPr marL="5974187" indent="0">
               <a:buNone/>
-              <a:defRPr sz="1000"/>
+              <a:defRPr sz="1867"/>
             </a:lvl8pPr>
-            <a:lvl9pPr marL="3657600" indent="0">
+            <a:lvl9pPr marL="6827642" indent="0">
               <a:buNone/>
-              <a:defRPr sz="1000"/>
+              <a:defRPr sz="1867"/>
             </a:lvl9pPr>
           </a:lstStyle>
           <a:p>
@@ -2096,7 +2102,7 @@
           <a:p>
             <a:fld id="{8B338BD9-0081-1049-9231-E1F3768EE062}" type="datetimeFigureOut">
               <a:rPr lang="en-US" smtClean="0"/>
-              <a:t>9/26/17</a:t>
+              <a:t>10/10/18</a:t>
             </a:fld>
             <a:endParaRPr lang="en-US"/>
           </a:p>
@@ -2147,7 +2153,7 @@
     </p:spTree>
     <p:extLst>
       <p:ext uri="{BB962C8B-B14F-4D97-AF65-F5344CB8AC3E}">
-        <p14:creationId xmlns:p14="http://schemas.microsoft.com/office/powerpoint/2010/main" val="348169807"/>
+        <p14:creationId xmlns:p14="http://schemas.microsoft.com/office/powerpoint/2010/main" val="1881583453"/>
       </p:ext>
     </p:extLst>
   </p:cSld>
@@ -2186,15 +2192,15 @@
         </p:nvSpPr>
         <p:spPr>
           <a:xfrm>
-            <a:off x="629841" y="457200"/>
-            <a:ext cx="2949178" cy="1600200"/>
+            <a:off x="1259682" y="853440"/>
+            <a:ext cx="5898356" cy="2987040"/>
           </a:xfrm>
         </p:spPr>
         <p:txBody>
           <a:bodyPr anchor="b"/>
           <a:lstStyle>
             <a:lvl1pPr>
-              <a:defRPr sz="3200"/>
+              <a:defRPr sz="5973"/>
             </a:lvl1pPr>
           </a:lstStyle>
           <a:p>
@@ -2218,8 +2224,8 @@
         </p:nvSpPr>
         <p:spPr>
           <a:xfrm>
-            <a:off x="3887391" y="987426"/>
-            <a:ext cx="4629150" cy="4873625"/>
+            <a:off x="7774782" y="1843196"/>
+            <a:ext cx="9258300" cy="9097433"/>
           </a:xfrm>
         </p:spPr>
         <p:txBody>
@@ -2227,39 +2233,39 @@
           <a:lstStyle>
             <a:lvl1pPr marL="0" indent="0">
               <a:buNone/>
-              <a:defRPr sz="3200"/>
+              <a:defRPr sz="5973"/>
             </a:lvl1pPr>
-            <a:lvl2pPr marL="457200" indent="0">
+            <a:lvl2pPr marL="853455" indent="0">
               <a:buNone/>
-              <a:defRPr sz="2800"/>
+              <a:defRPr sz="5227"/>
             </a:lvl2pPr>
-            <a:lvl3pPr marL="914400" indent="0">
+            <a:lvl3pPr marL="1706910" indent="0">
               <a:buNone/>
-              <a:defRPr sz="2400"/>
+              <a:defRPr sz="4480"/>
             </a:lvl3pPr>
-            <a:lvl4pPr marL="1371600" indent="0">
+            <a:lvl4pPr marL="2560366" indent="0">
               <a:buNone/>
-              <a:defRPr sz="2000"/>
+              <a:defRPr sz="3733"/>
             </a:lvl4pPr>
-            <a:lvl5pPr marL="1828800" indent="0">
+            <a:lvl5pPr marL="3413821" indent="0">
               <a:buNone/>
-              <a:defRPr sz="2000"/>
+              <a:defRPr sz="3733"/>
             </a:lvl5pPr>
-            <a:lvl6pPr marL="2286000" indent="0">
+            <a:lvl6pPr marL="4267276" indent="0">
               <a:buNone/>
-              <a:defRPr sz="2000"/>
+              <a:defRPr sz="3733"/>
             </a:lvl6pPr>
-            <a:lvl7pPr marL="2743200" indent="0">
+            <a:lvl7pPr marL="5120731" indent="0">
               <a:buNone/>
-              <a:defRPr sz="2000"/>
+              <a:defRPr sz="3733"/>
             </a:lvl7pPr>
-            <a:lvl8pPr marL="3200400" indent="0">
+            <a:lvl8pPr marL="5974187" indent="0">
               <a:buNone/>
-              <a:defRPr sz="2000"/>
+              <a:defRPr sz="3733"/>
             </a:lvl8pPr>
-            <a:lvl9pPr marL="3657600" indent="0">
+            <a:lvl9pPr marL="6827642" indent="0">
               <a:buNone/>
-              <a:defRPr sz="2000"/>
+              <a:defRPr sz="3733"/>
             </a:lvl9pPr>
           </a:lstStyle>
           <a:p>
@@ -2283,8 +2289,8 @@
         </p:nvSpPr>
         <p:spPr>
           <a:xfrm>
-            <a:off x="629841" y="2057400"/>
-            <a:ext cx="2949178" cy="3811588"/>
+            <a:off x="1259682" y="3840480"/>
+            <a:ext cx="5898356" cy="7114964"/>
           </a:xfrm>
         </p:spPr>
         <p:txBody>
@@ -2292,39 +2298,39 @@
           <a:lstStyle>
             <a:lvl1pPr marL="0" indent="0">
               <a:buNone/>
-              <a:defRPr sz="1600"/>
+              <a:defRPr sz="2987"/>
             </a:lvl1pPr>
-            <a:lvl2pPr marL="457200" indent="0">
+            <a:lvl2pPr marL="853455" indent="0">
               <a:buNone/>
-              <a:defRPr sz="1400"/>
+              <a:defRPr sz="2613"/>
             </a:lvl2pPr>
-            <a:lvl3pPr marL="914400" indent="0">
+            <a:lvl3pPr marL="1706910" indent="0">
               <a:buNone/>
-              <a:defRPr sz="1200"/>
+              <a:defRPr sz="2240"/>
             </a:lvl3pPr>
-            <a:lvl4pPr marL="1371600" indent="0">
+            <a:lvl4pPr marL="2560366" indent="0">
               <a:buNone/>
-              <a:defRPr sz="1000"/>
+              <a:defRPr sz="1867"/>
             </a:lvl4pPr>
-            <a:lvl5pPr marL="1828800" indent="0">
+            <a:lvl5pPr marL="3413821" indent="0">
               <a:buNone/>
-              <a:defRPr sz="1000"/>
+              <a:defRPr sz="1867"/>
             </a:lvl5pPr>
-            <a:lvl6pPr marL="2286000" indent="0">
+            <a:lvl6pPr marL="4267276" indent="0">
               <a:buNone/>
-              <a:defRPr sz="1000"/>
+              <a:defRPr sz="1867"/>
             </a:lvl6pPr>
-            <a:lvl7pPr marL="2743200" indent="0">
+            <a:lvl7pPr marL="5120731" indent="0">
               <a:buNone/>
-              <a:defRPr sz="1000"/>
+              <a:defRPr sz="1867"/>
             </a:lvl7pPr>
-            <a:lvl8pPr marL="3200400" indent="0">
+            <a:lvl8pPr marL="5974187" indent="0">
               <a:buNone/>
-              <a:defRPr sz="1000"/>
+              <a:defRPr sz="1867"/>
             </a:lvl8pPr>
-            <a:lvl9pPr marL="3657600" indent="0">
+            <a:lvl9pPr marL="6827642" indent="0">
               <a:buNone/>
-              <a:defRPr sz="1000"/>
+              <a:defRPr sz="1867"/>
             </a:lvl9pPr>
           </a:lstStyle>
           <a:p>
@@ -2353,7 +2359,7 @@
           <a:p>
             <a:fld id="{8B338BD9-0081-1049-9231-E1F3768EE062}" type="datetimeFigureOut">
               <a:rPr lang="en-US" smtClean="0"/>
-              <a:t>9/26/17</a:t>
+              <a:t>10/10/18</a:t>
             </a:fld>
             <a:endParaRPr lang="en-US"/>
           </a:p>
@@ -2404,7 +2410,7 @@
     </p:spTree>
     <p:extLst>
       <p:ext uri="{BB962C8B-B14F-4D97-AF65-F5344CB8AC3E}">
-        <p14:creationId xmlns:p14="http://schemas.microsoft.com/office/powerpoint/2010/main" val="1944491821"/>
+        <p14:creationId xmlns:p14="http://schemas.microsoft.com/office/powerpoint/2010/main" val="2076392496"/>
       </p:ext>
     </p:extLst>
   </p:cSld>
@@ -2448,8 +2454,8 @@
         </p:nvSpPr>
         <p:spPr>
           <a:xfrm>
-            <a:off x="628650" y="365126"/>
-            <a:ext cx="7886700" cy="1325563"/>
+            <a:off x="1257300" y="681570"/>
+            <a:ext cx="15773400" cy="2474384"/>
           </a:xfrm>
           <a:prstGeom prst="rect">
             <a:avLst/>
@@ -2481,8 +2487,8 @@
         </p:nvSpPr>
         <p:spPr>
           <a:xfrm>
-            <a:off x="628650" y="1825625"/>
-            <a:ext cx="7886700" cy="4351338"/>
+            <a:off x="1257300" y="3407833"/>
+            <a:ext cx="15773400" cy="8122498"/>
           </a:xfrm>
           <a:prstGeom prst="rect">
             <a:avLst/>
@@ -2543,8 +2549,8 @@
         </p:nvSpPr>
         <p:spPr>
           <a:xfrm>
-            <a:off x="628650" y="6356351"/>
-            <a:ext cx="2057400" cy="365125"/>
+            <a:off x="1257300" y="11865189"/>
+            <a:ext cx="4114800" cy="681567"/>
           </a:xfrm>
           <a:prstGeom prst="rect">
             <a:avLst/>
@@ -2554,7 +2560,7 @@
           <a:bodyPr vert="horz" lIns="91440" tIns="45720" rIns="91440" bIns="45720" rtlCol="0" anchor="ctr"/>
           <a:lstStyle>
             <a:lvl1pPr algn="l">
-              <a:defRPr sz="1200">
+              <a:defRPr sz="2240">
                 <a:solidFill>
                   <a:schemeClr val="tx1">
                     <a:tint val="75000"/>
@@ -2566,7 +2572,7 @@
           <a:p>
             <a:fld id="{8B338BD9-0081-1049-9231-E1F3768EE062}" type="datetimeFigureOut">
               <a:rPr lang="en-US" smtClean="0"/>
-              <a:t>9/26/17</a:t>
+              <a:t>10/10/18</a:t>
             </a:fld>
             <a:endParaRPr lang="en-US"/>
           </a:p>
@@ -2584,8 +2590,8 @@
         </p:nvSpPr>
         <p:spPr>
           <a:xfrm>
-            <a:off x="3028950" y="6356351"/>
-            <a:ext cx="3086100" cy="365125"/>
+            <a:off x="6057900" y="11865189"/>
+            <a:ext cx="6172200" cy="681567"/>
           </a:xfrm>
           <a:prstGeom prst="rect">
             <a:avLst/>
@@ -2595,7 +2601,7 @@
           <a:bodyPr vert="horz" lIns="91440" tIns="45720" rIns="91440" bIns="45720" rtlCol="0" anchor="ctr"/>
           <a:lstStyle>
             <a:lvl1pPr algn="ctr">
-              <a:defRPr sz="1200">
+              <a:defRPr sz="2240">
                 <a:solidFill>
                   <a:schemeClr val="tx1">
                     <a:tint val="75000"/>
@@ -2621,8 +2627,8 @@
         </p:nvSpPr>
         <p:spPr>
           <a:xfrm>
-            <a:off x="6457950" y="6356351"/>
-            <a:ext cx="2057400" cy="365125"/>
+            <a:off x="12915900" y="11865189"/>
+            <a:ext cx="4114800" cy="681567"/>
           </a:xfrm>
           <a:prstGeom prst="rect">
             <a:avLst/>
@@ -2632,7 +2638,7 @@
           <a:bodyPr vert="horz" lIns="91440" tIns="45720" rIns="91440" bIns="45720" rtlCol="0" anchor="ctr"/>
           <a:lstStyle>
             <a:lvl1pPr algn="r">
-              <a:defRPr sz="1200">
+              <a:defRPr sz="2240">
                 <a:solidFill>
                   <a:schemeClr val="tx1">
                     <a:tint val="75000"/>
@@ -2653,27 +2659,27 @@
     </p:spTree>
     <p:extLst>
       <p:ext uri="{BB962C8B-B14F-4D97-AF65-F5344CB8AC3E}">
-        <p14:creationId xmlns:p14="http://schemas.microsoft.com/office/powerpoint/2010/main" val="597522203"/>
+        <p14:creationId xmlns:p14="http://schemas.microsoft.com/office/powerpoint/2010/main" val="1425959744"/>
       </p:ext>
     </p:extLst>
   </p:cSld>
   <p:clrMap bg1="lt1" tx1="dk1" bg2="lt2" tx2="dk2" accent1="accent1" accent2="accent2" accent3="accent3" accent4="accent4" accent5="accent5" accent6="accent6" hlink="hlink" folHlink="folHlink"/>
   <p:sldLayoutIdLst>
-    <p:sldLayoutId id="2147483661" r:id="rId1"/>
-    <p:sldLayoutId id="2147483662" r:id="rId2"/>
-    <p:sldLayoutId id="2147483663" r:id="rId3"/>
-    <p:sldLayoutId id="2147483664" r:id="rId4"/>
-    <p:sldLayoutId id="2147483665" r:id="rId5"/>
-    <p:sldLayoutId id="2147483666" r:id="rId6"/>
-    <p:sldLayoutId id="2147483667" r:id="rId7"/>
-    <p:sldLayoutId id="2147483668" r:id="rId8"/>
-    <p:sldLayoutId id="2147483669" r:id="rId9"/>
-    <p:sldLayoutId id="2147483670" r:id="rId10"/>
-    <p:sldLayoutId id="2147483671" r:id="rId11"/>
+    <p:sldLayoutId id="2147483673" r:id="rId1"/>
+    <p:sldLayoutId id="2147483674" r:id="rId2"/>
+    <p:sldLayoutId id="2147483675" r:id="rId3"/>
+    <p:sldLayoutId id="2147483676" r:id="rId4"/>
+    <p:sldLayoutId id="2147483677" r:id="rId5"/>
+    <p:sldLayoutId id="2147483678" r:id="rId6"/>
+    <p:sldLayoutId id="2147483679" r:id="rId7"/>
+    <p:sldLayoutId id="2147483680" r:id="rId8"/>
+    <p:sldLayoutId id="2147483681" r:id="rId9"/>
+    <p:sldLayoutId id="2147483682" r:id="rId10"/>
+    <p:sldLayoutId id="2147483683" r:id="rId11"/>
   </p:sldLayoutIdLst>
   <p:txStyles>
     <p:titleStyle>
-      <a:lvl1pPr algn="l" defTabSz="914400" rtl="0" eaLnBrk="1" latinLnBrk="0" hangingPunct="1">
+      <a:lvl1pPr algn="l" defTabSz="1706910" rtl="0" eaLnBrk="1" latinLnBrk="0" hangingPunct="1">
         <a:lnSpc>
           <a:spcPct val="90000"/>
         </a:lnSpc>
@@ -2681,7 +2687,7 @@
           <a:spcPct val="0"/>
         </a:spcBef>
         <a:buNone/>
-        <a:defRPr sz="4400" kern="1200">
+        <a:defRPr sz="8213" kern="1200">
           <a:solidFill>
             <a:schemeClr val="tx1"/>
           </a:solidFill>
@@ -2692,16 +2698,16 @@
       </a:lvl1pPr>
     </p:titleStyle>
     <p:bodyStyle>
-      <a:lvl1pPr marL="228600" indent="-228600" algn="l" defTabSz="914400" rtl="0" eaLnBrk="1" latinLnBrk="0" hangingPunct="1">
+      <a:lvl1pPr marL="426728" indent="-426728" algn="l" defTabSz="1706910" rtl="0" eaLnBrk="1" latinLnBrk="0" hangingPunct="1">
         <a:lnSpc>
           <a:spcPct val="90000"/>
         </a:lnSpc>
         <a:spcBef>
-          <a:spcPts val="1000"/>
+          <a:spcPts val="1867"/>
         </a:spcBef>
         <a:buFont typeface="Arial" panose="020B0604020202020204" pitchFamily="34" charset="0"/>
         <a:buChar char="•"/>
-        <a:defRPr sz="2800" kern="1200">
+        <a:defRPr sz="5227" kern="1200">
           <a:solidFill>
             <a:schemeClr val="tx1"/>
           </a:solidFill>
@@ -2710,16 +2716,16 @@
           <a:cs typeface="+mn-cs"/>
         </a:defRPr>
       </a:lvl1pPr>
-      <a:lvl2pPr marL="685800" indent="-228600" algn="l" defTabSz="914400" rtl="0" eaLnBrk="1" latinLnBrk="0" hangingPunct="1">
+      <a:lvl2pPr marL="1280183" indent="-426728" algn="l" defTabSz="1706910" rtl="0" eaLnBrk="1" latinLnBrk="0" hangingPunct="1">
         <a:lnSpc>
           <a:spcPct val="90000"/>
         </a:lnSpc>
         <a:spcBef>
-          <a:spcPts val="500"/>
+          <a:spcPts val="933"/>
         </a:spcBef>
         <a:buFont typeface="Arial" panose="020B0604020202020204" pitchFamily="34" charset="0"/>
         <a:buChar char="•"/>
-        <a:defRPr sz="2400" kern="1200">
+        <a:defRPr sz="4480" kern="1200">
           <a:solidFill>
             <a:schemeClr val="tx1"/>
           </a:solidFill>
@@ -2728,16 +2734,16 @@
           <a:cs typeface="+mn-cs"/>
         </a:defRPr>
       </a:lvl2pPr>
-      <a:lvl3pPr marL="1143000" indent="-228600" algn="l" defTabSz="914400" rtl="0" eaLnBrk="1" latinLnBrk="0" hangingPunct="1">
+      <a:lvl3pPr marL="2133638" indent="-426728" algn="l" defTabSz="1706910" rtl="0" eaLnBrk="1" latinLnBrk="0" hangingPunct="1">
         <a:lnSpc>
           <a:spcPct val="90000"/>
         </a:lnSpc>
         <a:spcBef>
-          <a:spcPts val="500"/>
+          <a:spcPts val="933"/>
         </a:spcBef>
         <a:buFont typeface="Arial" panose="020B0604020202020204" pitchFamily="34" charset="0"/>
         <a:buChar char="•"/>
-        <a:defRPr sz="2000" kern="1200">
+        <a:defRPr sz="3733" kern="1200">
           <a:solidFill>
             <a:schemeClr val="tx1"/>
           </a:solidFill>
@@ -2746,16 +2752,16 @@
           <a:cs typeface="+mn-cs"/>
         </a:defRPr>
       </a:lvl3pPr>
-      <a:lvl4pPr marL="1600200" indent="-228600" algn="l" defTabSz="914400" rtl="0" eaLnBrk="1" latinLnBrk="0" hangingPunct="1">
+      <a:lvl4pPr marL="2987093" indent="-426728" algn="l" defTabSz="1706910" rtl="0" eaLnBrk="1" latinLnBrk="0" hangingPunct="1">
         <a:lnSpc>
           <a:spcPct val="90000"/>
         </a:lnSpc>
         <a:spcBef>
-          <a:spcPts val="500"/>
+          <a:spcPts val="933"/>
         </a:spcBef>
         <a:buFont typeface="Arial" panose="020B0604020202020204" pitchFamily="34" charset="0"/>
         <a:buChar char="•"/>
-        <a:defRPr sz="1800" kern="1200">
+        <a:defRPr sz="3360" kern="1200">
           <a:solidFill>
             <a:schemeClr val="tx1"/>
           </a:solidFill>
@@ -2764,16 +2770,16 @@
           <a:cs typeface="+mn-cs"/>
         </a:defRPr>
       </a:lvl4pPr>
-      <a:lvl5pPr marL="2057400" indent="-228600" algn="l" defTabSz="914400" rtl="0" eaLnBrk="1" latinLnBrk="0" hangingPunct="1">
+      <a:lvl5pPr marL="3840549" indent="-426728" algn="l" defTabSz="1706910" rtl="0" eaLnBrk="1" latinLnBrk="0" hangingPunct="1">
         <a:lnSpc>
           <a:spcPct val="90000"/>
         </a:lnSpc>
         <a:spcBef>
-          <a:spcPts val="500"/>
+          <a:spcPts val="933"/>
         </a:spcBef>
         <a:buFont typeface="Arial" panose="020B0604020202020204" pitchFamily="34" charset="0"/>
         <a:buChar char="•"/>
-        <a:defRPr sz="1800" kern="1200">
+        <a:defRPr sz="3360" kern="1200">
           <a:solidFill>
             <a:schemeClr val="tx1"/>
           </a:solidFill>
@@ -2782,16 +2788,16 @@
           <a:cs typeface="+mn-cs"/>
         </a:defRPr>
       </a:lvl5pPr>
-      <a:lvl6pPr marL="2514600" indent="-228600" algn="l" defTabSz="914400" rtl="0" eaLnBrk="1" latinLnBrk="0" hangingPunct="1">
+      <a:lvl6pPr marL="4694004" indent="-426728" algn="l" defTabSz="1706910" rtl="0" eaLnBrk="1" latinLnBrk="0" hangingPunct="1">
         <a:lnSpc>
           <a:spcPct val="90000"/>
         </a:lnSpc>
         <a:spcBef>
-          <a:spcPts val="500"/>
+          <a:spcPts val="933"/>
         </a:spcBef>
         <a:buFont typeface="Arial" panose="020B0604020202020204" pitchFamily="34" charset="0"/>
         <a:buChar char="•"/>
-        <a:defRPr sz="1800" kern="1200">
+        <a:defRPr sz="3360" kern="1200">
           <a:solidFill>
             <a:schemeClr val="tx1"/>
           </a:solidFill>
@@ -2800,16 +2806,16 @@
           <a:cs typeface="+mn-cs"/>
         </a:defRPr>
       </a:lvl6pPr>
-      <a:lvl7pPr marL="2971800" indent="-228600" algn="l" defTabSz="914400" rtl="0" eaLnBrk="1" latinLnBrk="0" hangingPunct="1">
+      <a:lvl7pPr marL="5547459" indent="-426728" algn="l" defTabSz="1706910" rtl="0" eaLnBrk="1" latinLnBrk="0" hangingPunct="1">
         <a:lnSpc>
           <a:spcPct val="90000"/>
         </a:lnSpc>
         <a:spcBef>
-          <a:spcPts val="500"/>
+          <a:spcPts val="933"/>
         </a:spcBef>
         <a:buFont typeface="Arial" panose="020B0604020202020204" pitchFamily="34" charset="0"/>
         <a:buChar char="•"/>
-        <a:defRPr sz="1800" kern="1200">
+        <a:defRPr sz="3360" kern="1200">
           <a:solidFill>
             <a:schemeClr val="tx1"/>
           </a:solidFill>
@@ -2818,16 +2824,16 @@
           <a:cs typeface="+mn-cs"/>
         </a:defRPr>
       </a:lvl7pPr>
-      <a:lvl8pPr marL="3429000" indent="-228600" algn="l" defTabSz="914400" rtl="0" eaLnBrk="1" latinLnBrk="0" hangingPunct="1">
+      <a:lvl8pPr marL="6400914" indent="-426728" algn="l" defTabSz="1706910" rtl="0" eaLnBrk="1" latinLnBrk="0" hangingPunct="1">
         <a:lnSpc>
           <a:spcPct val="90000"/>
         </a:lnSpc>
         <a:spcBef>
-          <a:spcPts val="500"/>
+          <a:spcPts val="933"/>
         </a:spcBef>
         <a:buFont typeface="Arial" panose="020B0604020202020204" pitchFamily="34" charset="0"/>
         <a:buChar char="•"/>
-        <a:defRPr sz="1800" kern="1200">
+        <a:defRPr sz="3360" kern="1200">
           <a:solidFill>
             <a:schemeClr val="tx1"/>
           </a:solidFill>
@@ -2836,16 +2842,16 @@
           <a:cs typeface="+mn-cs"/>
         </a:defRPr>
       </a:lvl8pPr>
-      <a:lvl9pPr marL="3886200" indent="-228600" algn="l" defTabSz="914400" rtl="0" eaLnBrk="1" latinLnBrk="0" hangingPunct="1">
+      <a:lvl9pPr marL="7254370" indent="-426728" algn="l" defTabSz="1706910" rtl="0" eaLnBrk="1" latinLnBrk="0" hangingPunct="1">
         <a:lnSpc>
           <a:spcPct val="90000"/>
         </a:lnSpc>
         <a:spcBef>
-          <a:spcPts val="500"/>
+          <a:spcPts val="933"/>
         </a:spcBef>
         <a:buFont typeface="Arial" panose="020B0604020202020204" pitchFamily="34" charset="0"/>
         <a:buChar char="•"/>
-        <a:defRPr sz="1800" kern="1200">
+        <a:defRPr sz="3360" kern="1200">
           <a:solidFill>
             <a:schemeClr val="tx1"/>
           </a:solidFill>
@@ -2859,8 +2865,8 @@
       <a:defPPr>
         <a:defRPr lang="en-US"/>
       </a:defPPr>
-      <a:lvl1pPr marL="0" algn="l" defTabSz="914400" rtl="0" eaLnBrk="1" latinLnBrk="0" hangingPunct="1">
-        <a:defRPr sz="1800" kern="1200">
+      <a:lvl1pPr marL="0" algn="l" defTabSz="1706910" rtl="0" eaLnBrk="1" latinLnBrk="0" hangingPunct="1">
+        <a:defRPr sz="3360" kern="1200">
           <a:solidFill>
             <a:schemeClr val="tx1"/>
           </a:solidFill>
@@ -2869,8 +2875,8 @@
           <a:cs typeface="+mn-cs"/>
         </a:defRPr>
       </a:lvl1pPr>
-      <a:lvl2pPr marL="457200" algn="l" defTabSz="914400" rtl="0" eaLnBrk="1" latinLnBrk="0" hangingPunct="1">
-        <a:defRPr sz="1800" kern="1200">
+      <a:lvl2pPr marL="853455" algn="l" defTabSz="1706910" rtl="0" eaLnBrk="1" latinLnBrk="0" hangingPunct="1">
+        <a:defRPr sz="3360" kern="1200">
           <a:solidFill>
             <a:schemeClr val="tx1"/>
           </a:solidFill>
@@ -2879,8 +2885,8 @@
           <a:cs typeface="+mn-cs"/>
         </a:defRPr>
       </a:lvl2pPr>
-      <a:lvl3pPr marL="914400" algn="l" defTabSz="914400" rtl="0" eaLnBrk="1" latinLnBrk="0" hangingPunct="1">
-        <a:defRPr sz="1800" kern="1200">
+      <a:lvl3pPr marL="1706910" algn="l" defTabSz="1706910" rtl="0" eaLnBrk="1" latinLnBrk="0" hangingPunct="1">
+        <a:defRPr sz="3360" kern="1200">
           <a:solidFill>
             <a:schemeClr val="tx1"/>
           </a:solidFill>
@@ -2889,8 +2895,8 @@
           <a:cs typeface="+mn-cs"/>
         </a:defRPr>
       </a:lvl3pPr>
-      <a:lvl4pPr marL="1371600" algn="l" defTabSz="914400" rtl="0" eaLnBrk="1" latinLnBrk="0" hangingPunct="1">
-        <a:defRPr sz="1800" kern="1200">
+      <a:lvl4pPr marL="2560366" algn="l" defTabSz="1706910" rtl="0" eaLnBrk="1" latinLnBrk="0" hangingPunct="1">
+        <a:defRPr sz="3360" kern="1200">
           <a:solidFill>
             <a:schemeClr val="tx1"/>
           </a:solidFill>
@@ -2899,8 +2905,8 @@
           <a:cs typeface="+mn-cs"/>
         </a:defRPr>
       </a:lvl4pPr>
-      <a:lvl5pPr marL="1828800" algn="l" defTabSz="914400" rtl="0" eaLnBrk="1" latinLnBrk="0" hangingPunct="1">
-        <a:defRPr sz="1800" kern="1200">
+      <a:lvl5pPr marL="3413821" algn="l" defTabSz="1706910" rtl="0" eaLnBrk="1" latinLnBrk="0" hangingPunct="1">
+        <a:defRPr sz="3360" kern="1200">
           <a:solidFill>
             <a:schemeClr val="tx1"/>
           </a:solidFill>
@@ -2909,8 +2915,8 @@
           <a:cs typeface="+mn-cs"/>
         </a:defRPr>
       </a:lvl5pPr>
-      <a:lvl6pPr marL="2286000" algn="l" defTabSz="914400" rtl="0" eaLnBrk="1" latinLnBrk="0" hangingPunct="1">
-        <a:defRPr sz="1800" kern="1200">
+      <a:lvl6pPr marL="4267276" algn="l" defTabSz="1706910" rtl="0" eaLnBrk="1" latinLnBrk="0" hangingPunct="1">
+        <a:defRPr sz="3360" kern="1200">
           <a:solidFill>
             <a:schemeClr val="tx1"/>
           </a:solidFill>
@@ -2919,8 +2925,8 @@
           <a:cs typeface="+mn-cs"/>
         </a:defRPr>
       </a:lvl6pPr>
-      <a:lvl7pPr marL="2743200" algn="l" defTabSz="914400" rtl="0" eaLnBrk="1" latinLnBrk="0" hangingPunct="1">
-        <a:defRPr sz="1800" kern="1200">
+      <a:lvl7pPr marL="5120731" algn="l" defTabSz="1706910" rtl="0" eaLnBrk="1" latinLnBrk="0" hangingPunct="1">
+        <a:defRPr sz="3360" kern="1200">
           <a:solidFill>
             <a:schemeClr val="tx1"/>
           </a:solidFill>
@@ -2929,8 +2935,8 @@
           <a:cs typeface="+mn-cs"/>
         </a:defRPr>
       </a:lvl7pPr>
-      <a:lvl8pPr marL="3200400" algn="l" defTabSz="914400" rtl="0" eaLnBrk="1" latinLnBrk="0" hangingPunct="1">
-        <a:defRPr sz="1800" kern="1200">
+      <a:lvl8pPr marL="5974187" algn="l" defTabSz="1706910" rtl="0" eaLnBrk="1" latinLnBrk="0" hangingPunct="1">
+        <a:defRPr sz="3360" kern="1200">
           <a:solidFill>
             <a:schemeClr val="tx1"/>
           </a:solidFill>
@@ -2939,8 +2945,8 @@
           <a:cs typeface="+mn-cs"/>
         </a:defRPr>
       </a:lvl8pPr>
-      <a:lvl9pPr marL="3657600" algn="l" defTabSz="914400" rtl="0" eaLnBrk="1" latinLnBrk="0" hangingPunct="1">
-        <a:defRPr sz="1800" kern="1200">
+      <a:lvl9pPr marL="6827642" algn="l" defTabSz="1706910" rtl="0" eaLnBrk="1" latinLnBrk="0" hangingPunct="1">
+        <a:defRPr sz="3360" kern="1200">
           <a:solidFill>
             <a:schemeClr val="tx1"/>
           </a:solidFill>
@@ -2979,7 +2985,7 @@
         </p:nvSpPr>
         <p:spPr>
           <a:xfrm>
-            <a:off x="2047539" y="1172095"/>
+            <a:off x="6619539" y="4143896"/>
             <a:ext cx="4874192" cy="3596477"/>
           </a:xfrm>
           <a:prstGeom prst="corner">
@@ -3035,7 +3041,7 @@
         </p:nvSpPr>
         <p:spPr>
           <a:xfrm>
-            <a:off x="4851862" y="1444244"/>
+            <a:off x="9423863" y="4416044"/>
             <a:ext cx="482139" cy="91440"/>
           </a:xfrm>
           <a:prstGeom prst="rect">
@@ -3092,7 +3098,7 @@
         </p:nvSpPr>
         <p:spPr>
           <a:xfrm>
-            <a:off x="4851862" y="1264874"/>
+            <a:off x="9423863" y="4236674"/>
             <a:ext cx="482139" cy="91440"/>
           </a:xfrm>
           <a:prstGeom prst="rect">
@@ -3145,7 +3151,7 @@
         </p:nvSpPr>
         <p:spPr>
           <a:xfrm>
-            <a:off x="5275812" y="1172095"/>
+            <a:off x="9847813" y="4143896"/>
             <a:ext cx="1496291" cy="276999"/>
           </a:xfrm>
           <a:prstGeom prst="rect">
@@ -3174,7 +3180,7 @@
         </p:nvSpPr>
         <p:spPr>
           <a:xfrm>
-            <a:off x="5275811" y="1351465"/>
+            <a:off x="9847811" y="4323266"/>
             <a:ext cx="1712422" cy="276999"/>
           </a:xfrm>
           <a:prstGeom prst="rect">
@@ -3203,8 +3209,8 @@
         </p:nvSpPr>
         <p:spPr>
           <a:xfrm rot="16200000">
-            <a:off x="687185" y="2443941"/>
-            <a:ext cx="2402379" cy="369332"/>
+            <a:off x="5259186" y="5285160"/>
+            <a:ext cx="2402379" cy="630494"/>
           </a:xfrm>
           <a:prstGeom prst="rect">
             <a:avLst/>
@@ -3218,8 +3224,12 @@
           <a:lstStyle/>
           <a:p>
             <a:r>
-              <a:rPr lang="en-US"/>
-              <a:t>Prevalence or Load</a:t>
+              <a:rPr lang="en-US" dirty="0"/>
+              <a:t>             </a:t>
+            </a:r>
+            <a:r>
+              <a:rPr lang="en-US" dirty="0"/>
+              <a:t>Load</a:t>
             </a:r>
           </a:p>
         </p:txBody>
@@ -3232,8 +3242,8 @@
         </p:nvSpPr>
         <p:spPr>
           <a:xfrm>
-            <a:off x="4132811" y="5031973"/>
-            <a:ext cx="2402379" cy="369332"/>
+            <a:off x="8704812" y="8003773"/>
+            <a:ext cx="2402379" cy="630494"/>
           </a:xfrm>
           <a:prstGeom prst="rect">
             <a:avLst/>
@@ -3261,7 +3271,7 @@
         </p:nvSpPr>
         <p:spPr>
           <a:xfrm>
-            <a:off x="3002279" y="640283"/>
+            <a:off x="7574279" y="3612083"/>
             <a:ext cx="4181302" cy="400110"/>
           </a:xfrm>
           <a:prstGeom prst="rect">
@@ -3298,8 +3308,8 @@
         </p:nvSpPr>
         <p:spPr>
           <a:xfrm>
-            <a:off x="2047539" y="4760824"/>
-            <a:ext cx="5306453" cy="338554"/>
+            <a:off x="6619540" y="7732625"/>
+            <a:ext cx="5306453" cy="584775"/>
           </a:xfrm>
           <a:prstGeom prst="rect">
             <a:avLst/>
@@ -3336,7 +3346,7 @@
         </p:nvCxnSpPr>
         <p:spPr>
           <a:xfrm flipV="1">
-            <a:off x="2175163" y="1729048"/>
+            <a:off x="6747163" y="4700849"/>
             <a:ext cx="4522124" cy="1440873"/>
           </a:xfrm>
           <a:prstGeom prst="line">
@@ -3371,7 +3381,7 @@
         </p:nvCxnSpPr>
         <p:spPr>
           <a:xfrm>
-            <a:off x="2175163" y="3169921"/>
+            <a:off x="6747163" y="6141722"/>
             <a:ext cx="4522124" cy="1318953"/>
           </a:xfrm>
           <a:prstGeom prst="line">
@@ -3445,7 +3455,7 @@
         </p:nvSpPr>
         <p:spPr>
           <a:xfrm>
-            <a:off x="1748281" y="1230284"/>
+            <a:off x="6320281" y="4202085"/>
             <a:ext cx="4874192" cy="3596477"/>
           </a:xfrm>
           <a:prstGeom prst="corner">
@@ -3501,7 +3511,7 @@
         </p:nvSpPr>
         <p:spPr>
           <a:xfrm>
-            <a:off x="4552604" y="1502433"/>
+            <a:off x="9124605" y="4474233"/>
             <a:ext cx="482139" cy="91440"/>
           </a:xfrm>
           <a:prstGeom prst="rect">
@@ -3558,7 +3568,7 @@
         </p:nvSpPr>
         <p:spPr>
           <a:xfrm>
-            <a:off x="4552604" y="1323063"/>
+            <a:off x="9124605" y="4294863"/>
             <a:ext cx="482139" cy="91440"/>
           </a:xfrm>
           <a:prstGeom prst="rect">
@@ -3611,7 +3621,7 @@
         </p:nvSpPr>
         <p:spPr>
           <a:xfrm>
-            <a:off x="4976554" y="1230284"/>
+            <a:off x="9548555" y="4202085"/>
             <a:ext cx="1496291" cy="276999"/>
           </a:xfrm>
           <a:prstGeom prst="rect">
@@ -3640,7 +3650,7 @@
         </p:nvSpPr>
         <p:spPr>
           <a:xfrm>
-            <a:off x="4976553" y="1409654"/>
+            <a:off x="9548553" y="4381455"/>
             <a:ext cx="1712422" cy="276999"/>
           </a:xfrm>
           <a:prstGeom prst="rect">
@@ -3669,8 +3679,8 @@
         </p:nvSpPr>
         <p:spPr>
           <a:xfrm rot="16200000">
-            <a:off x="387927" y="2502130"/>
-            <a:ext cx="2402379" cy="369332"/>
+            <a:off x="4959928" y="5074271"/>
+            <a:ext cx="2402379" cy="1168653"/>
           </a:xfrm>
           <a:prstGeom prst="rect">
             <a:avLst/>
@@ -3698,8 +3708,8 @@
         </p:nvSpPr>
         <p:spPr>
           <a:xfrm>
-            <a:off x="3833553" y="5090162"/>
-            <a:ext cx="2402379" cy="369332"/>
+            <a:off x="8405554" y="8061962"/>
+            <a:ext cx="2402379" cy="630494"/>
           </a:xfrm>
           <a:prstGeom prst="rect">
             <a:avLst/>
@@ -3727,7 +3737,7 @@
         </p:nvSpPr>
         <p:spPr>
           <a:xfrm>
-            <a:off x="2703021" y="698472"/>
+            <a:off x="7275021" y="3670272"/>
             <a:ext cx="4181302" cy="400110"/>
           </a:xfrm>
           <a:prstGeom prst="rect">
@@ -3764,8 +3774,8 @@
         </p:nvSpPr>
         <p:spPr>
           <a:xfrm>
-            <a:off x="1748281" y="4819013"/>
-            <a:ext cx="5306453" cy="338554"/>
+            <a:off x="6320282" y="7790814"/>
+            <a:ext cx="5306453" cy="584775"/>
           </a:xfrm>
           <a:prstGeom prst="rect">
             <a:avLst/>
@@ -3802,7 +3812,7 @@
         </p:nvCxnSpPr>
         <p:spPr>
           <a:xfrm>
-            <a:off x="1875905" y="3228111"/>
+            <a:off x="6447905" y="6199912"/>
             <a:ext cx="4522124" cy="1194261"/>
           </a:xfrm>
           <a:prstGeom prst="line">
@@ -3837,7 +3847,7 @@
         </p:nvCxnSpPr>
         <p:spPr>
           <a:xfrm>
-            <a:off x="1875905" y="3228110"/>
+            <a:off x="6447905" y="6199911"/>
             <a:ext cx="4522124" cy="1318953"/>
           </a:xfrm>
           <a:prstGeom prst="line">
@@ -3911,7 +3921,7 @@
         </p:nvSpPr>
         <p:spPr>
           <a:xfrm>
-            <a:off x="1814783" y="1205346"/>
+            <a:off x="6386783" y="4177147"/>
             <a:ext cx="4874192" cy="3596477"/>
           </a:xfrm>
           <a:prstGeom prst="corner">
@@ -3967,7 +3977,7 @@
         </p:nvSpPr>
         <p:spPr>
           <a:xfrm>
-            <a:off x="4619106" y="1477495"/>
+            <a:off x="9191107" y="4449295"/>
             <a:ext cx="482139" cy="91440"/>
           </a:xfrm>
           <a:prstGeom prst="rect">
@@ -4024,7 +4034,7 @@
         </p:nvSpPr>
         <p:spPr>
           <a:xfrm>
-            <a:off x="4619106" y="1298125"/>
+            <a:off x="9191107" y="4269925"/>
             <a:ext cx="482139" cy="91440"/>
           </a:xfrm>
           <a:prstGeom prst="rect">
@@ -4077,7 +4087,7 @@
         </p:nvSpPr>
         <p:spPr>
           <a:xfrm>
-            <a:off x="5043056" y="1205346"/>
+            <a:off x="9615057" y="4177147"/>
             <a:ext cx="1496291" cy="276999"/>
           </a:xfrm>
           <a:prstGeom prst="rect">
@@ -4106,7 +4116,7 @@
         </p:nvSpPr>
         <p:spPr>
           <a:xfrm>
-            <a:off x="5043055" y="1384716"/>
+            <a:off x="9615055" y="4356517"/>
             <a:ext cx="1712422" cy="276999"/>
           </a:xfrm>
           <a:prstGeom prst="rect">
@@ -4135,8 +4145,8 @@
         </p:nvSpPr>
         <p:spPr>
           <a:xfrm rot="16200000">
-            <a:off x="454429" y="2477192"/>
-            <a:ext cx="2402379" cy="369332"/>
+            <a:off x="5026430" y="5049333"/>
+            <a:ext cx="2402379" cy="1168653"/>
           </a:xfrm>
           <a:prstGeom prst="rect">
             <a:avLst/>
@@ -4164,8 +4174,8 @@
         </p:nvSpPr>
         <p:spPr>
           <a:xfrm>
-            <a:off x="3900055" y="5065224"/>
-            <a:ext cx="2402379" cy="369332"/>
+            <a:off x="8472056" y="8037024"/>
+            <a:ext cx="2402379" cy="630494"/>
           </a:xfrm>
           <a:prstGeom prst="rect">
             <a:avLst/>
@@ -4193,7 +4203,7 @@
         </p:nvSpPr>
         <p:spPr>
           <a:xfrm>
-            <a:off x="2769523" y="673534"/>
+            <a:off x="7341523" y="3645334"/>
             <a:ext cx="4181302" cy="400110"/>
           </a:xfrm>
           <a:prstGeom prst="rect">
@@ -4238,8 +4248,8 @@
         </p:nvSpPr>
         <p:spPr>
           <a:xfrm>
-            <a:off x="1814783" y="4794075"/>
-            <a:ext cx="5306453" cy="338554"/>
+            <a:off x="6386784" y="7765876"/>
+            <a:ext cx="5306453" cy="584775"/>
           </a:xfrm>
           <a:prstGeom prst="rect">
             <a:avLst/>
@@ -4276,7 +4286,7 @@
         </p:nvCxnSpPr>
         <p:spPr>
           <a:xfrm flipV="1">
-            <a:off x="1942408" y="3203172"/>
+            <a:off x="6514409" y="6174973"/>
             <a:ext cx="4688379" cy="1"/>
           </a:xfrm>
           <a:prstGeom prst="line">
@@ -4311,7 +4321,7 @@
         </p:nvCxnSpPr>
         <p:spPr>
           <a:xfrm>
-            <a:off x="1942407" y="3203172"/>
+            <a:off x="6514407" y="6174973"/>
             <a:ext cx="4522124" cy="1318953"/>
           </a:xfrm>
           <a:prstGeom prst="line">
@@ -4385,7 +4395,7 @@
         </p:nvSpPr>
         <p:spPr>
           <a:xfrm>
-            <a:off x="1922848" y="1271848"/>
+            <a:off x="6494848" y="4243649"/>
             <a:ext cx="4874192" cy="3596477"/>
           </a:xfrm>
           <a:prstGeom prst="corner">
@@ -4441,7 +4451,7 @@
         </p:nvSpPr>
         <p:spPr>
           <a:xfrm>
-            <a:off x="4727171" y="1543997"/>
+            <a:off x="9299172" y="4515797"/>
             <a:ext cx="482139" cy="91440"/>
           </a:xfrm>
           <a:prstGeom prst="rect">
@@ -4498,7 +4508,7 @@
         </p:nvSpPr>
         <p:spPr>
           <a:xfrm>
-            <a:off x="4727171" y="1364627"/>
+            <a:off x="9299172" y="4336427"/>
             <a:ext cx="482139" cy="91440"/>
           </a:xfrm>
           <a:prstGeom prst="rect">
@@ -4551,7 +4561,7 @@
         </p:nvSpPr>
         <p:spPr>
           <a:xfrm>
-            <a:off x="5151121" y="1271848"/>
+            <a:off x="9723122" y="4243649"/>
             <a:ext cx="1496291" cy="276999"/>
           </a:xfrm>
           <a:prstGeom prst="rect">
@@ -4580,7 +4590,7 @@
         </p:nvSpPr>
         <p:spPr>
           <a:xfrm>
-            <a:off x="5151120" y="1451218"/>
+            <a:off x="9723120" y="4423019"/>
             <a:ext cx="1712422" cy="276999"/>
           </a:xfrm>
           <a:prstGeom prst="rect">
@@ -4609,8 +4619,8 @@
         </p:nvSpPr>
         <p:spPr>
           <a:xfrm rot="16200000">
-            <a:off x="562494" y="2543694"/>
-            <a:ext cx="2402379" cy="369332"/>
+            <a:off x="5134495" y="5115835"/>
+            <a:ext cx="2402379" cy="1168653"/>
           </a:xfrm>
           <a:prstGeom prst="rect">
             <a:avLst/>
@@ -4638,8 +4648,8 @@
         </p:nvSpPr>
         <p:spPr>
           <a:xfrm>
-            <a:off x="4008120" y="5131726"/>
-            <a:ext cx="2402379" cy="369332"/>
+            <a:off x="8580121" y="8103526"/>
+            <a:ext cx="2402379" cy="630494"/>
           </a:xfrm>
           <a:prstGeom prst="rect">
             <a:avLst/>
@@ -4667,7 +4677,7 @@
         </p:nvSpPr>
         <p:spPr>
           <a:xfrm>
-            <a:off x="2877588" y="740036"/>
+            <a:off x="7449588" y="3711836"/>
             <a:ext cx="4181302" cy="400110"/>
           </a:xfrm>
           <a:prstGeom prst="rect">
@@ -4686,7 +4696,7 @@
               <a:t>           </a:t>
             </a:r>
             <a:r>
-              <a:rPr lang="en-US" sz="2000" b="1" dirty="0" smtClean="0"/>
+              <a:rPr lang="en-US" sz="2000" b="1" dirty="0"/>
               <a:t>Commensalism:</a:t>
             </a:r>
             <a:endParaRPr lang="en-US" sz="2000" b="1" dirty="0"/>
@@ -4701,8 +4711,8 @@
         </p:nvSpPr>
         <p:spPr>
           <a:xfrm>
-            <a:off x="1922848" y="4860577"/>
-            <a:ext cx="5306453" cy="338554"/>
+            <a:off x="6494849" y="7832378"/>
+            <a:ext cx="5306453" cy="584775"/>
           </a:xfrm>
           <a:prstGeom prst="rect">
             <a:avLst/>
@@ -4739,7 +4749,7 @@
         </p:nvCxnSpPr>
         <p:spPr>
           <a:xfrm flipV="1">
-            <a:off x="2050472" y="1803863"/>
+            <a:off x="6622472" y="4775664"/>
             <a:ext cx="4360026" cy="1465813"/>
           </a:xfrm>
           <a:prstGeom prst="line">
@@ -4774,7 +4784,7 @@
         </p:nvCxnSpPr>
         <p:spPr>
           <a:xfrm>
-            <a:off x="2050473" y="3269673"/>
+            <a:off x="6622474" y="6241473"/>
             <a:ext cx="4488873" cy="0"/>
           </a:xfrm>
           <a:prstGeom prst="line">
@@ -4848,7 +4858,7 @@
         </p:nvSpPr>
         <p:spPr>
           <a:xfrm>
-            <a:off x="1789845" y="1271848"/>
+            <a:off x="6361845" y="4243649"/>
             <a:ext cx="4874192" cy="3596477"/>
           </a:xfrm>
           <a:prstGeom prst="corner">
@@ -4904,7 +4914,7 @@
         </p:nvSpPr>
         <p:spPr>
           <a:xfrm>
-            <a:off x="4594168" y="1543997"/>
+            <a:off x="9166169" y="4515797"/>
             <a:ext cx="482139" cy="91440"/>
           </a:xfrm>
           <a:prstGeom prst="rect">
@@ -4961,7 +4971,7 @@
         </p:nvSpPr>
         <p:spPr>
           <a:xfrm>
-            <a:off x="4594168" y="1364627"/>
+            <a:off x="9166169" y="4336427"/>
             <a:ext cx="482139" cy="91440"/>
           </a:xfrm>
           <a:prstGeom prst="rect">
@@ -5014,7 +5024,7 @@
         </p:nvSpPr>
         <p:spPr>
           <a:xfrm>
-            <a:off x="5018118" y="1271848"/>
+            <a:off x="9590119" y="4243649"/>
             <a:ext cx="1496291" cy="276999"/>
           </a:xfrm>
           <a:prstGeom prst="rect">
@@ -5043,7 +5053,7 @@
         </p:nvSpPr>
         <p:spPr>
           <a:xfrm>
-            <a:off x="5018117" y="1451218"/>
+            <a:off x="9590117" y="4423019"/>
             <a:ext cx="1712422" cy="276999"/>
           </a:xfrm>
           <a:prstGeom prst="rect">
@@ -5066,14 +5076,14 @@
       </p:sp>
       <p:sp>
         <p:nvSpPr>
-          <p:cNvPr id="9" name="TextBox 8"/>
+          <p:cNvPr id="10" name="TextBox 9"/>
           <p:cNvSpPr txBox="1"/>
           <p:nvPr/>
         </p:nvSpPr>
         <p:spPr>
-          <a:xfrm rot="16200000">
-            <a:off x="429491" y="2543694"/>
-            <a:ext cx="2402379" cy="369332"/>
+          <a:xfrm>
+            <a:off x="8447118" y="8103526"/>
+            <a:ext cx="2402379" cy="630494"/>
           </a:xfrm>
           <a:prstGeom prst="rect">
             <a:avLst/>
@@ -5088,21 +5098,21 @@
           <a:p>
             <a:r>
               <a:rPr lang="en-US"/>
-              <a:t>Prevalence or Load</a:t>
-            </a:r>
-          </a:p>
-        </p:txBody>
-      </p:sp>
-      <p:sp>
-        <p:nvSpPr>
-          <p:cNvPr id="10" name="TextBox 9"/>
+              <a:t>Time</a:t>
+            </a:r>
+          </a:p>
+        </p:txBody>
+      </p:sp>
+      <p:sp>
+        <p:nvSpPr>
+          <p:cNvPr id="11" name="TextBox 10"/>
           <p:cNvSpPr txBox="1"/>
           <p:nvPr/>
         </p:nvSpPr>
         <p:spPr>
           <a:xfrm>
-            <a:off x="3875117" y="5131726"/>
-            <a:ext cx="2402379" cy="369332"/>
+            <a:off x="7316585" y="3711836"/>
+            <a:ext cx="4181302" cy="400110"/>
           </a:xfrm>
           <a:prstGeom prst="rect">
             <a:avLst/>
@@ -5116,35 +5126,6 @@
           <a:lstStyle/>
           <a:p>
             <a:r>
-              <a:rPr lang="en-US"/>
-              <a:t>Time</a:t>
-            </a:r>
-          </a:p>
-        </p:txBody>
-      </p:sp>
-      <p:sp>
-        <p:nvSpPr>
-          <p:cNvPr id="11" name="TextBox 10"/>
-          <p:cNvSpPr txBox="1"/>
-          <p:nvPr/>
-        </p:nvSpPr>
-        <p:spPr>
-          <a:xfrm>
-            <a:off x="2744585" y="740036"/>
-            <a:ext cx="4181302" cy="400110"/>
-          </a:xfrm>
-          <a:prstGeom prst="rect">
-            <a:avLst/>
-          </a:prstGeom>
-          <a:noFill/>
-        </p:spPr>
-        <p:txBody>
-          <a:bodyPr wrap="square" rtlCol="0">
-            <a:spAutoFit/>
-          </a:bodyPr>
-          <a:lstStyle/>
-          <a:p>
-            <a:r>
               <a:rPr lang="en-US" sz="2000" b="1" dirty="0"/>
               <a:t>Mutualism </a:t>
             </a:r>
@@ -5167,8 +5148,8 @@
         </p:nvSpPr>
         <p:spPr>
           <a:xfrm>
-            <a:off x="1789845" y="4860577"/>
-            <a:ext cx="5306453" cy="338554"/>
+            <a:off x="6361846" y="7832378"/>
+            <a:ext cx="5306453" cy="584775"/>
           </a:xfrm>
           <a:prstGeom prst="rect">
             <a:avLst/>
@@ -5205,7 +5186,7 @@
         </p:nvCxnSpPr>
         <p:spPr>
           <a:xfrm flipV="1">
-            <a:off x="1917469" y="1795549"/>
+            <a:off x="6489469" y="4767349"/>
             <a:ext cx="4360026" cy="1474126"/>
           </a:xfrm>
           <a:prstGeom prst="line">
@@ -5240,7 +5221,7 @@
         </p:nvCxnSpPr>
         <p:spPr>
           <a:xfrm flipV="1">
-            <a:off x="1917470" y="1953491"/>
+            <a:off x="6489471" y="4925291"/>
             <a:ext cx="4422371" cy="1316182"/>
           </a:xfrm>
           <a:prstGeom prst="line">
@@ -5314,7 +5295,7 @@
         </p:nvSpPr>
         <p:spPr>
           <a:xfrm>
-            <a:off x="1781532" y="964277"/>
+            <a:off x="6353532" y="3936078"/>
             <a:ext cx="4874192" cy="3596477"/>
           </a:xfrm>
           <a:prstGeom prst="corner">
@@ -5370,7 +5351,7 @@
         </p:nvSpPr>
         <p:spPr>
           <a:xfrm>
-            <a:off x="4585855" y="1236426"/>
+            <a:off x="9157856" y="4208226"/>
             <a:ext cx="482139" cy="91440"/>
           </a:xfrm>
           <a:prstGeom prst="rect">
@@ -5427,7 +5408,7 @@
         </p:nvSpPr>
         <p:spPr>
           <a:xfrm>
-            <a:off x="4585855" y="1057056"/>
+            <a:off x="9157856" y="4028856"/>
             <a:ext cx="482139" cy="91440"/>
           </a:xfrm>
           <a:prstGeom prst="rect">
@@ -5480,7 +5461,7 @@
         </p:nvSpPr>
         <p:spPr>
           <a:xfrm>
-            <a:off x="5009805" y="964277"/>
+            <a:off x="9581806" y="3936078"/>
             <a:ext cx="1496291" cy="276999"/>
           </a:xfrm>
           <a:prstGeom prst="rect">
@@ -5509,7 +5490,7 @@
         </p:nvSpPr>
         <p:spPr>
           <a:xfrm>
-            <a:off x="5009804" y="1143647"/>
+            <a:off x="9581804" y="4115448"/>
             <a:ext cx="1712422" cy="276999"/>
           </a:xfrm>
           <a:prstGeom prst="rect">
@@ -5538,8 +5519,8 @@
         </p:nvSpPr>
         <p:spPr>
           <a:xfrm rot="16200000">
-            <a:off x="421178" y="2236123"/>
-            <a:ext cx="2402379" cy="369332"/>
+            <a:off x="4993179" y="4808264"/>
+            <a:ext cx="2402379" cy="1168653"/>
           </a:xfrm>
           <a:prstGeom prst="rect">
             <a:avLst/>
@@ -5567,8 +5548,8 @@
         </p:nvSpPr>
         <p:spPr>
           <a:xfrm>
-            <a:off x="3866804" y="4824155"/>
-            <a:ext cx="2402379" cy="369332"/>
+            <a:off x="8438805" y="7795955"/>
+            <a:ext cx="2402379" cy="630494"/>
           </a:xfrm>
           <a:prstGeom prst="rect">
             <a:avLst/>
@@ -5596,7 +5577,7 @@
         </p:nvSpPr>
         <p:spPr>
           <a:xfrm>
-            <a:off x="2736272" y="432465"/>
+            <a:off x="7308272" y="3404265"/>
             <a:ext cx="4181302" cy="400110"/>
           </a:xfrm>
           <a:prstGeom prst="rect">
@@ -5633,8 +5614,8 @@
         </p:nvSpPr>
         <p:spPr>
           <a:xfrm>
-            <a:off x="1781532" y="4553006"/>
-            <a:ext cx="5306453" cy="338554"/>
+            <a:off x="6353533" y="7524807"/>
+            <a:ext cx="5306453" cy="584775"/>
           </a:xfrm>
           <a:prstGeom prst="rect">
             <a:avLst/>
@@ -5671,7 +5652,7 @@
         </p:nvCxnSpPr>
         <p:spPr>
           <a:xfrm flipV="1">
-            <a:off x="1909156" y="2876204"/>
+            <a:off x="6481156" y="5848004"/>
             <a:ext cx="4497186" cy="85900"/>
           </a:xfrm>
           <a:prstGeom prst="line">
@@ -5706,7 +5687,7 @@
         </p:nvCxnSpPr>
         <p:spPr>
           <a:xfrm>
-            <a:off x="1909156" y="2962102"/>
+            <a:off x="6481156" y="5933902"/>
             <a:ext cx="4497186" cy="2"/>
           </a:xfrm>
           <a:prstGeom prst="line">
@@ -5752,6 +5733,1184 @@
       </p:par>
     </p:tnLst>
   </p:timing>
+</p:sld>
+</file>
+
+<file path=ppt/slides/slide7.xml><?xml version="1.0" encoding="utf-8"?>
+<p:sld xmlns:a="http://schemas.openxmlformats.org/drawingml/2006/main" xmlns:r="http://schemas.openxmlformats.org/officeDocument/2006/relationships" xmlns:p="http://schemas.openxmlformats.org/presentationml/2006/main">
+  <p:cSld>
+    <p:spTree>
+      <p:nvGrpSpPr>
+        <p:cNvPr id="1" name=""/>
+        <p:cNvGrpSpPr/>
+        <p:nvPr/>
+      </p:nvGrpSpPr>
+      <p:grpSpPr>
+        <a:xfrm>
+          <a:off x="0" y="0"/>
+          <a:ext cx="0" cy="0"/>
+          <a:chOff x="0" y="0"/>
+          <a:chExt cx="0" cy="0"/>
+        </a:xfrm>
+      </p:grpSpPr>
+      <p:sp>
+        <p:nvSpPr>
+          <p:cNvPr id="4" name="L-Shape 3"/>
+          <p:cNvSpPr/>
+          <p:nvPr/>
+        </p:nvSpPr>
+        <p:spPr>
+          <a:xfrm>
+            <a:off x="1922034" y="2350955"/>
+            <a:ext cx="4874192" cy="3596477"/>
+          </a:xfrm>
+          <a:prstGeom prst="corner">
+            <a:avLst>
+              <a:gd name="adj1" fmla="val 1863"/>
+              <a:gd name="adj2" fmla="val 1863"/>
+            </a:avLst>
+          </a:prstGeom>
+          <a:solidFill>
+            <a:schemeClr val="tx1"/>
+          </a:solidFill>
+          <a:ln>
+            <a:solidFill>
+              <a:schemeClr val="tx1"/>
+            </a:solidFill>
+          </a:ln>
+        </p:spPr>
+        <p:style>
+          <a:lnRef idx="2">
+            <a:schemeClr val="accent1">
+              <a:shade val="50000"/>
+            </a:schemeClr>
+          </a:lnRef>
+          <a:fillRef idx="1">
+            <a:schemeClr val="accent1"/>
+          </a:fillRef>
+          <a:effectRef idx="0">
+            <a:schemeClr val="accent1"/>
+          </a:effectRef>
+          <a:fontRef idx="minor">
+            <a:schemeClr val="lt1"/>
+          </a:fontRef>
+        </p:style>
+        <p:txBody>
+          <a:bodyPr rot="0" spcFirstLastPara="0" vertOverflow="overflow" horzOverflow="overflow" vert="horz" wrap="square" lIns="91440" tIns="45720" rIns="91440" bIns="45720" numCol="1" spcCol="0" rtlCol="0" fromWordArt="0" anchor="ctr" anchorCtr="0" forceAA="0" compatLnSpc="1">
+            <a:prstTxWarp prst="textNoShape">
+              <a:avLst/>
+            </a:prstTxWarp>
+            <a:noAutofit/>
+          </a:bodyPr>
+          <a:lstStyle/>
+          <a:p>
+            <a:pPr algn="ctr"/>
+            <a:endParaRPr lang="en-US"/>
+          </a:p>
+        </p:txBody>
+      </p:sp>
+      <p:sp>
+        <p:nvSpPr>
+          <p:cNvPr id="9" name="TextBox 8"/>
+          <p:cNvSpPr txBox="1"/>
+          <p:nvPr/>
+        </p:nvSpPr>
+        <p:spPr>
+          <a:xfrm rot="16200000">
+            <a:off x="722968" y="3934022"/>
+            <a:ext cx="1864657" cy="630494"/>
+          </a:xfrm>
+          <a:prstGeom prst="rect">
+            <a:avLst/>
+          </a:prstGeom>
+          <a:noFill/>
+        </p:spPr>
+        <p:txBody>
+          <a:bodyPr wrap="square" rtlCol="0">
+            <a:spAutoFit/>
+          </a:bodyPr>
+          <a:lstStyle/>
+          <a:p>
+            <a:r>
+              <a:rPr lang="en-US" dirty="0"/>
+              <a:t>    </a:t>
+            </a:r>
+            <a:r>
+              <a:rPr lang="en-US" dirty="0" smtClean="0"/>
+              <a:t>Load</a:t>
+            </a:r>
+            <a:endParaRPr lang="en-US" dirty="0"/>
+          </a:p>
+        </p:txBody>
+      </p:sp>
+      <p:cxnSp>
+        <p:nvCxnSpPr>
+          <p:cNvPr id="13" name="Straight Connector 12"/>
+          <p:cNvCxnSpPr/>
+          <p:nvPr/>
+        </p:nvCxnSpPr>
+        <p:spPr>
+          <a:xfrm flipV="1">
+            <a:off x="2049658" y="2907908"/>
+            <a:ext cx="4522124" cy="1440873"/>
+          </a:xfrm>
+          <a:prstGeom prst="line">
+            <a:avLst/>
+          </a:prstGeom>
+          <a:ln w="76200">
+            <a:solidFill>
+              <a:srgbClr val="C00000"/>
+            </a:solidFill>
+          </a:ln>
+        </p:spPr>
+        <p:style>
+          <a:lnRef idx="1">
+            <a:schemeClr val="accent1"/>
+          </a:lnRef>
+          <a:fillRef idx="0">
+            <a:schemeClr val="accent1"/>
+          </a:fillRef>
+          <a:effectRef idx="0">
+            <a:schemeClr val="accent1"/>
+          </a:effectRef>
+          <a:fontRef idx="minor">
+            <a:schemeClr val="tx1"/>
+          </a:fontRef>
+        </p:style>
+      </p:cxnSp>
+      <p:cxnSp>
+        <p:nvCxnSpPr>
+          <p:cNvPr id="14" name="Straight Connector 13"/>
+          <p:cNvCxnSpPr/>
+          <p:nvPr/>
+        </p:nvCxnSpPr>
+        <p:spPr>
+          <a:xfrm>
+            <a:off x="2049658" y="4348781"/>
+            <a:ext cx="4522124" cy="1318953"/>
+          </a:xfrm>
+          <a:prstGeom prst="line">
+            <a:avLst/>
+          </a:prstGeom>
+          <a:ln w="76200">
+            <a:solidFill>
+              <a:schemeClr val="accent1">
+                <a:lumMod val="50000"/>
+              </a:schemeClr>
+            </a:solidFill>
+          </a:ln>
+        </p:spPr>
+        <p:style>
+          <a:lnRef idx="1">
+            <a:schemeClr val="accent1"/>
+          </a:lnRef>
+          <a:fillRef idx="0">
+            <a:schemeClr val="accent1"/>
+          </a:fillRef>
+          <a:effectRef idx="0">
+            <a:schemeClr val="accent1"/>
+          </a:effectRef>
+          <a:fontRef idx="minor">
+            <a:schemeClr val="tx1"/>
+          </a:fontRef>
+        </p:style>
+      </p:cxnSp>
+      <p:sp>
+        <p:nvSpPr>
+          <p:cNvPr id="16" name="L-Shape 15"/>
+          <p:cNvSpPr/>
+          <p:nvPr/>
+        </p:nvSpPr>
+        <p:spPr>
+          <a:xfrm>
+            <a:off x="1922034" y="6892313"/>
+            <a:ext cx="4874192" cy="3596477"/>
+          </a:xfrm>
+          <a:prstGeom prst="corner">
+            <a:avLst>
+              <a:gd name="adj1" fmla="val 1863"/>
+              <a:gd name="adj2" fmla="val 1863"/>
+            </a:avLst>
+          </a:prstGeom>
+          <a:solidFill>
+            <a:schemeClr val="tx1"/>
+          </a:solidFill>
+          <a:ln>
+            <a:solidFill>
+              <a:schemeClr val="tx1"/>
+            </a:solidFill>
+          </a:ln>
+        </p:spPr>
+        <p:style>
+          <a:lnRef idx="2">
+            <a:schemeClr val="accent1">
+              <a:shade val="50000"/>
+            </a:schemeClr>
+          </a:lnRef>
+          <a:fillRef idx="1">
+            <a:schemeClr val="accent1"/>
+          </a:fillRef>
+          <a:effectRef idx="0">
+            <a:schemeClr val="accent1"/>
+          </a:effectRef>
+          <a:fontRef idx="minor">
+            <a:schemeClr val="lt1"/>
+          </a:fontRef>
+        </p:style>
+        <p:txBody>
+          <a:bodyPr rot="0" spcFirstLastPara="0" vertOverflow="overflow" horzOverflow="overflow" vert="horz" wrap="square" lIns="91440" tIns="45720" rIns="91440" bIns="45720" numCol="1" spcCol="0" rtlCol="0" fromWordArt="0" anchor="ctr" anchorCtr="0" forceAA="0" compatLnSpc="1">
+            <a:prstTxWarp prst="textNoShape">
+              <a:avLst/>
+            </a:prstTxWarp>
+            <a:noAutofit/>
+          </a:bodyPr>
+          <a:lstStyle/>
+          <a:p>
+            <a:pPr algn="ctr"/>
+            <a:endParaRPr lang="en-US"/>
+          </a:p>
+        </p:txBody>
+      </p:sp>
+      <p:sp>
+        <p:nvSpPr>
+          <p:cNvPr id="21" name="TextBox 20"/>
+          <p:cNvSpPr txBox="1"/>
+          <p:nvPr/>
+        </p:nvSpPr>
+        <p:spPr>
+          <a:xfrm>
+            <a:off x="4007307" y="10752190"/>
+            <a:ext cx="2402379" cy="630494"/>
+          </a:xfrm>
+          <a:prstGeom prst="rect">
+            <a:avLst/>
+          </a:prstGeom>
+          <a:noFill/>
+        </p:spPr>
+        <p:txBody>
+          <a:bodyPr wrap="square" rtlCol="0">
+            <a:spAutoFit/>
+          </a:bodyPr>
+          <a:lstStyle/>
+          <a:p>
+            <a:r>
+              <a:rPr lang="en-US"/>
+              <a:t>Time</a:t>
+            </a:r>
+          </a:p>
+        </p:txBody>
+      </p:sp>
+      <p:sp>
+        <p:nvSpPr>
+          <p:cNvPr id="22" name="TextBox 21"/>
+          <p:cNvSpPr txBox="1"/>
+          <p:nvPr/>
+        </p:nvSpPr>
+        <p:spPr>
+          <a:xfrm>
+            <a:off x="2220685" y="6360501"/>
+            <a:ext cx="4860470" cy="461665"/>
+          </a:xfrm>
+          <a:prstGeom prst="rect">
+            <a:avLst/>
+          </a:prstGeom>
+          <a:noFill/>
+        </p:spPr>
+        <p:txBody>
+          <a:bodyPr wrap="square" rtlCol="0">
+            <a:spAutoFit/>
+          </a:bodyPr>
+          <a:lstStyle/>
+          <a:p>
+            <a:r>
+              <a:rPr lang="en-US" sz="2400" b="1" smtClean="0"/>
+              <a:t> Mutualism </a:t>
+            </a:r>
+            <a:r>
+              <a:rPr lang="en-US" sz="2400" i="1" dirty="0" smtClean="0"/>
+              <a:t>(synergistic coinfection)</a:t>
+            </a:r>
+            <a:r>
+              <a:rPr lang="en-US" sz="2400" b="1" dirty="0" smtClean="0"/>
+              <a:t>:</a:t>
+            </a:r>
+            <a:endParaRPr lang="en-US" sz="2400" b="1" dirty="0"/>
+          </a:p>
+        </p:txBody>
+      </p:sp>
+      <p:sp>
+        <p:nvSpPr>
+          <p:cNvPr id="23" name="TextBox 22"/>
+          <p:cNvSpPr txBox="1"/>
+          <p:nvPr/>
+        </p:nvSpPr>
+        <p:spPr>
+          <a:xfrm>
+            <a:off x="1922035" y="10481042"/>
+            <a:ext cx="5306453" cy="461665"/>
+          </a:xfrm>
+          <a:prstGeom prst="rect">
+            <a:avLst/>
+          </a:prstGeom>
+          <a:noFill/>
+        </p:spPr>
+        <p:txBody>
+          <a:bodyPr wrap="square" rtlCol="0">
+            <a:spAutoFit/>
+          </a:bodyPr>
+          <a:lstStyle/>
+          <a:p>
+            <a:r>
+              <a:rPr lang="en-US" sz="2400" dirty="0" smtClean="0"/>
+              <a:t>0		           </a:t>
+            </a:r>
+            <a:r>
+              <a:rPr lang="en-US" sz="2400" dirty="0" err="1" smtClean="0"/>
+              <a:t>t</a:t>
+            </a:r>
+            <a:r>
+              <a:rPr lang="en-US" sz="2400" baseline="-25000" dirty="0" err="1" smtClean="0"/>
+              <a:t>final</a:t>
+            </a:r>
+            <a:endParaRPr lang="en-US" sz="2400" dirty="0"/>
+          </a:p>
+        </p:txBody>
+      </p:sp>
+      <p:cxnSp>
+        <p:nvCxnSpPr>
+          <p:cNvPr id="24" name="Straight Connector 23"/>
+          <p:cNvCxnSpPr/>
+          <p:nvPr/>
+        </p:nvCxnSpPr>
+        <p:spPr>
+          <a:xfrm flipV="1">
+            <a:off x="2049658" y="7416013"/>
+            <a:ext cx="4360026" cy="1474126"/>
+          </a:xfrm>
+          <a:prstGeom prst="line">
+            <a:avLst/>
+          </a:prstGeom>
+          <a:ln w="76200">
+            <a:solidFill>
+              <a:srgbClr val="C00000"/>
+            </a:solidFill>
+          </a:ln>
+        </p:spPr>
+        <p:style>
+          <a:lnRef idx="1">
+            <a:schemeClr val="accent1"/>
+          </a:lnRef>
+          <a:fillRef idx="0">
+            <a:schemeClr val="accent1"/>
+          </a:fillRef>
+          <a:effectRef idx="0">
+            <a:schemeClr val="accent1"/>
+          </a:effectRef>
+          <a:fontRef idx="minor">
+            <a:schemeClr val="tx1"/>
+          </a:fontRef>
+        </p:style>
+      </p:cxnSp>
+      <p:cxnSp>
+        <p:nvCxnSpPr>
+          <p:cNvPr id="25" name="Straight Connector 24"/>
+          <p:cNvCxnSpPr/>
+          <p:nvPr/>
+        </p:nvCxnSpPr>
+        <p:spPr>
+          <a:xfrm flipV="1">
+            <a:off x="2018485" y="7522609"/>
+            <a:ext cx="4422371" cy="1316182"/>
+          </a:xfrm>
+          <a:prstGeom prst="line">
+            <a:avLst/>
+          </a:prstGeom>
+          <a:ln w="76200">
+            <a:solidFill>
+              <a:schemeClr val="accent1">
+                <a:lumMod val="50000"/>
+              </a:schemeClr>
+            </a:solidFill>
+          </a:ln>
+        </p:spPr>
+        <p:style>
+          <a:lnRef idx="1">
+            <a:schemeClr val="accent1"/>
+          </a:lnRef>
+          <a:fillRef idx="0">
+            <a:schemeClr val="accent1"/>
+          </a:fillRef>
+          <a:effectRef idx="0">
+            <a:schemeClr val="accent1"/>
+          </a:effectRef>
+          <a:fontRef idx="minor">
+            <a:schemeClr val="tx1"/>
+          </a:fontRef>
+        </p:style>
+      </p:cxnSp>
+      <p:sp>
+        <p:nvSpPr>
+          <p:cNvPr id="36" name="TextBox 35"/>
+          <p:cNvSpPr txBox="1"/>
+          <p:nvPr/>
+        </p:nvSpPr>
+        <p:spPr>
+          <a:xfrm rot="16200000">
+            <a:off x="714005" y="8339277"/>
+            <a:ext cx="1864657" cy="630494"/>
+          </a:xfrm>
+          <a:prstGeom prst="rect">
+            <a:avLst/>
+          </a:prstGeom>
+          <a:noFill/>
+        </p:spPr>
+        <p:txBody>
+          <a:bodyPr wrap="square" rtlCol="0">
+            <a:spAutoFit/>
+          </a:bodyPr>
+          <a:lstStyle/>
+          <a:p>
+            <a:r>
+              <a:rPr lang="en-US" dirty="0"/>
+              <a:t>    </a:t>
+            </a:r>
+            <a:r>
+              <a:rPr lang="en-US" dirty="0" smtClean="0"/>
+              <a:t>Load</a:t>
+            </a:r>
+            <a:endParaRPr lang="en-US" dirty="0"/>
+          </a:p>
+        </p:txBody>
+      </p:sp>
+      <p:sp>
+        <p:nvSpPr>
+          <p:cNvPr id="37" name="L-Shape 36"/>
+          <p:cNvSpPr/>
+          <p:nvPr/>
+        </p:nvSpPr>
+        <p:spPr>
+          <a:xfrm>
+            <a:off x="7162960" y="2373285"/>
+            <a:ext cx="4874192" cy="3596477"/>
+          </a:xfrm>
+          <a:prstGeom prst="corner">
+            <a:avLst>
+              <a:gd name="adj1" fmla="val 1863"/>
+              <a:gd name="adj2" fmla="val 1863"/>
+            </a:avLst>
+          </a:prstGeom>
+          <a:solidFill>
+            <a:schemeClr val="tx1"/>
+          </a:solidFill>
+          <a:ln>
+            <a:solidFill>
+              <a:schemeClr val="tx1"/>
+            </a:solidFill>
+          </a:ln>
+        </p:spPr>
+        <p:style>
+          <a:lnRef idx="2">
+            <a:schemeClr val="accent1">
+              <a:shade val="50000"/>
+            </a:schemeClr>
+          </a:lnRef>
+          <a:fillRef idx="1">
+            <a:schemeClr val="accent1"/>
+          </a:fillRef>
+          <a:effectRef idx="0">
+            <a:schemeClr val="accent1"/>
+          </a:effectRef>
+          <a:fontRef idx="minor">
+            <a:schemeClr val="lt1"/>
+          </a:fontRef>
+        </p:style>
+        <p:txBody>
+          <a:bodyPr rot="0" spcFirstLastPara="0" vertOverflow="overflow" horzOverflow="overflow" vert="horz" wrap="square" lIns="91440" tIns="45720" rIns="91440" bIns="45720" numCol="1" spcCol="0" rtlCol="0" fromWordArt="0" anchor="ctr" anchorCtr="0" forceAA="0" compatLnSpc="1">
+            <a:prstTxWarp prst="textNoShape">
+              <a:avLst/>
+            </a:prstTxWarp>
+            <a:noAutofit/>
+          </a:bodyPr>
+          <a:lstStyle/>
+          <a:p>
+            <a:pPr algn="ctr"/>
+            <a:endParaRPr lang="en-US"/>
+          </a:p>
+        </p:txBody>
+      </p:sp>
+      <p:cxnSp>
+        <p:nvCxnSpPr>
+          <p:cNvPr id="46" name="Straight Connector 45"/>
+          <p:cNvCxnSpPr/>
+          <p:nvPr/>
+        </p:nvCxnSpPr>
+        <p:spPr>
+          <a:xfrm>
+            <a:off x="7290584" y="4371112"/>
+            <a:ext cx="4522124" cy="1194261"/>
+          </a:xfrm>
+          <a:prstGeom prst="line">
+            <a:avLst/>
+          </a:prstGeom>
+          <a:ln w="76200">
+            <a:solidFill>
+              <a:srgbClr val="C00000"/>
+            </a:solidFill>
+          </a:ln>
+        </p:spPr>
+        <p:style>
+          <a:lnRef idx="1">
+            <a:schemeClr val="accent1"/>
+          </a:lnRef>
+          <a:fillRef idx="0">
+            <a:schemeClr val="accent1"/>
+          </a:fillRef>
+          <a:effectRef idx="0">
+            <a:schemeClr val="accent1"/>
+          </a:effectRef>
+          <a:fontRef idx="minor">
+            <a:schemeClr val="tx1"/>
+          </a:fontRef>
+        </p:style>
+      </p:cxnSp>
+      <p:cxnSp>
+        <p:nvCxnSpPr>
+          <p:cNvPr id="47" name="Straight Connector 46"/>
+          <p:cNvCxnSpPr/>
+          <p:nvPr/>
+        </p:nvCxnSpPr>
+        <p:spPr>
+          <a:xfrm>
+            <a:off x="7290584" y="4371111"/>
+            <a:ext cx="4522124" cy="1318953"/>
+          </a:xfrm>
+          <a:prstGeom prst="line">
+            <a:avLst/>
+          </a:prstGeom>
+          <a:ln w="76200">
+            <a:solidFill>
+              <a:schemeClr val="accent1">
+                <a:lumMod val="50000"/>
+              </a:schemeClr>
+            </a:solidFill>
+          </a:ln>
+        </p:spPr>
+        <p:style>
+          <a:lnRef idx="1">
+            <a:schemeClr val="accent1"/>
+          </a:lnRef>
+          <a:fillRef idx="0">
+            <a:schemeClr val="accent1"/>
+          </a:fillRef>
+          <a:effectRef idx="0">
+            <a:schemeClr val="accent1"/>
+          </a:effectRef>
+          <a:fontRef idx="minor">
+            <a:schemeClr val="tx1"/>
+          </a:fontRef>
+        </p:style>
+      </p:cxnSp>
+      <p:sp>
+        <p:nvSpPr>
+          <p:cNvPr id="48" name="Rectangle 47"/>
+          <p:cNvSpPr/>
+          <p:nvPr/>
+        </p:nvSpPr>
+        <p:spPr>
+          <a:xfrm>
+            <a:off x="8772438" y="3430455"/>
+            <a:ext cx="728750" cy="173970"/>
+          </a:xfrm>
+          <a:prstGeom prst="rect">
+            <a:avLst/>
+          </a:prstGeom>
+          <a:solidFill>
+            <a:srgbClr val="C00000"/>
+          </a:solidFill>
+          <a:ln>
+            <a:solidFill>
+              <a:srgbClr val="C00000"/>
+            </a:solidFill>
+          </a:ln>
+        </p:spPr>
+        <p:style>
+          <a:lnRef idx="2">
+            <a:schemeClr val="accent1">
+              <a:shade val="50000"/>
+            </a:schemeClr>
+          </a:lnRef>
+          <a:fillRef idx="1">
+            <a:schemeClr val="accent1"/>
+          </a:fillRef>
+          <a:effectRef idx="0">
+            <a:schemeClr val="accent1"/>
+          </a:effectRef>
+          <a:fontRef idx="minor">
+            <a:schemeClr val="lt1"/>
+          </a:fontRef>
+        </p:style>
+        <p:txBody>
+          <a:bodyPr rot="0" spcFirstLastPara="0" vertOverflow="overflow" horzOverflow="overflow" vert="horz" wrap="square" lIns="91440" tIns="45720" rIns="91440" bIns="45720" numCol="1" spcCol="0" rtlCol="0" fromWordArt="0" anchor="ctr" anchorCtr="0" forceAA="0" compatLnSpc="1">
+            <a:prstTxWarp prst="textNoShape">
+              <a:avLst/>
+            </a:prstTxWarp>
+            <a:noAutofit/>
+          </a:bodyPr>
+          <a:lstStyle/>
+          <a:p>
+            <a:pPr algn="ctr"/>
+            <a:endParaRPr lang="en-US"/>
+          </a:p>
+        </p:txBody>
+      </p:sp>
+      <p:sp>
+        <p:nvSpPr>
+          <p:cNvPr id="49" name="TextBox 48"/>
+          <p:cNvSpPr txBox="1"/>
+          <p:nvPr/>
+        </p:nvSpPr>
+        <p:spPr>
+          <a:xfrm>
+            <a:off x="9572906" y="3313810"/>
+            <a:ext cx="2464246" cy="400110"/>
+          </a:xfrm>
+          <a:prstGeom prst="rect">
+            <a:avLst/>
+          </a:prstGeom>
+          <a:noFill/>
+        </p:spPr>
+        <p:txBody>
+          <a:bodyPr wrap="square" rtlCol="0">
+            <a:spAutoFit/>
+          </a:bodyPr>
+          <a:lstStyle/>
+          <a:p>
+            <a:r>
+              <a:rPr lang="en-US" sz="2000" dirty="0"/>
+              <a:t>Pathogen 1 (focal)</a:t>
+            </a:r>
+          </a:p>
+        </p:txBody>
+      </p:sp>
+      <p:sp>
+        <p:nvSpPr>
+          <p:cNvPr id="50" name="TextBox 49"/>
+          <p:cNvSpPr txBox="1"/>
+          <p:nvPr/>
+        </p:nvSpPr>
+        <p:spPr>
+          <a:xfrm>
+            <a:off x="9572904" y="3654544"/>
+            <a:ext cx="2679400" cy="400110"/>
+          </a:xfrm>
+          <a:prstGeom prst="rect">
+            <a:avLst/>
+          </a:prstGeom>
+          <a:noFill/>
+        </p:spPr>
+        <p:txBody>
+          <a:bodyPr wrap="square" rtlCol="0">
+            <a:spAutoFit/>
+          </a:bodyPr>
+          <a:lstStyle/>
+          <a:p>
+            <a:r>
+              <a:rPr lang="en-US" sz="2000" dirty="0"/>
+              <a:t>Pathogen 2 (secondary)</a:t>
+            </a:r>
+          </a:p>
+        </p:txBody>
+      </p:sp>
+      <p:sp>
+        <p:nvSpPr>
+          <p:cNvPr id="51" name="Rectangle 50"/>
+          <p:cNvSpPr/>
+          <p:nvPr/>
+        </p:nvSpPr>
+        <p:spPr>
+          <a:xfrm>
+            <a:off x="8781406" y="3762148"/>
+            <a:ext cx="728750" cy="173970"/>
+          </a:xfrm>
+          <a:prstGeom prst="rect">
+            <a:avLst/>
+          </a:prstGeom>
+          <a:solidFill>
+            <a:schemeClr val="accent1">
+              <a:lumMod val="50000"/>
+            </a:schemeClr>
+          </a:solidFill>
+          <a:ln>
+            <a:solidFill>
+              <a:schemeClr val="accent1">
+                <a:lumMod val="50000"/>
+              </a:schemeClr>
+            </a:solidFill>
+          </a:ln>
+        </p:spPr>
+        <p:style>
+          <a:lnRef idx="2">
+            <a:schemeClr val="accent1">
+              <a:shade val="50000"/>
+            </a:schemeClr>
+          </a:lnRef>
+          <a:fillRef idx="1">
+            <a:schemeClr val="accent1"/>
+          </a:fillRef>
+          <a:effectRef idx="0">
+            <a:schemeClr val="accent1"/>
+          </a:effectRef>
+          <a:fontRef idx="minor">
+            <a:schemeClr val="lt1"/>
+          </a:fontRef>
+        </p:style>
+        <p:txBody>
+          <a:bodyPr rot="0" spcFirstLastPara="0" vertOverflow="overflow" horzOverflow="overflow" vert="horz" wrap="square" lIns="91440" tIns="45720" rIns="91440" bIns="45720" numCol="1" spcCol="0" rtlCol="0" fromWordArt="0" anchor="ctr" anchorCtr="0" forceAA="0" compatLnSpc="1">
+            <a:prstTxWarp prst="textNoShape">
+              <a:avLst/>
+            </a:prstTxWarp>
+            <a:noAutofit/>
+          </a:bodyPr>
+          <a:lstStyle/>
+          <a:p>
+            <a:pPr algn="ctr"/>
+            <a:endParaRPr lang="en-US"/>
+          </a:p>
+        </p:txBody>
+      </p:sp>
+      <p:sp>
+        <p:nvSpPr>
+          <p:cNvPr id="52" name="L-Shape 51"/>
+          <p:cNvSpPr/>
+          <p:nvPr/>
+        </p:nvSpPr>
+        <p:spPr>
+          <a:xfrm>
+            <a:off x="7153174" y="6892313"/>
+            <a:ext cx="4874192" cy="3596477"/>
+          </a:xfrm>
+          <a:prstGeom prst="corner">
+            <a:avLst>
+              <a:gd name="adj1" fmla="val 1863"/>
+              <a:gd name="adj2" fmla="val 1863"/>
+            </a:avLst>
+          </a:prstGeom>
+          <a:solidFill>
+            <a:schemeClr val="tx1"/>
+          </a:solidFill>
+          <a:ln>
+            <a:solidFill>
+              <a:schemeClr val="tx1"/>
+            </a:solidFill>
+          </a:ln>
+        </p:spPr>
+        <p:style>
+          <a:lnRef idx="2">
+            <a:schemeClr val="accent1">
+              <a:shade val="50000"/>
+            </a:schemeClr>
+          </a:lnRef>
+          <a:fillRef idx="1">
+            <a:schemeClr val="accent1"/>
+          </a:fillRef>
+          <a:effectRef idx="0">
+            <a:schemeClr val="accent1"/>
+          </a:effectRef>
+          <a:fontRef idx="minor">
+            <a:schemeClr val="lt1"/>
+          </a:fontRef>
+        </p:style>
+        <p:txBody>
+          <a:bodyPr rot="0" spcFirstLastPara="0" vertOverflow="overflow" horzOverflow="overflow" vert="horz" wrap="square" lIns="91440" tIns="45720" rIns="91440" bIns="45720" numCol="1" spcCol="0" rtlCol="0" fromWordArt="0" anchor="ctr" anchorCtr="0" forceAA="0" compatLnSpc="1">
+            <a:prstTxWarp prst="textNoShape">
+              <a:avLst/>
+            </a:prstTxWarp>
+            <a:noAutofit/>
+          </a:bodyPr>
+          <a:lstStyle/>
+          <a:p>
+            <a:pPr algn="ctr"/>
+            <a:endParaRPr lang="en-US"/>
+          </a:p>
+        </p:txBody>
+      </p:sp>
+      <p:cxnSp>
+        <p:nvCxnSpPr>
+          <p:cNvPr id="61" name="Straight Connector 60"/>
+          <p:cNvCxnSpPr/>
+          <p:nvPr/>
+        </p:nvCxnSpPr>
+        <p:spPr>
+          <a:xfrm flipV="1">
+            <a:off x="7280800" y="8890139"/>
+            <a:ext cx="4688379" cy="1"/>
+          </a:xfrm>
+          <a:prstGeom prst="line">
+            <a:avLst/>
+          </a:prstGeom>
+          <a:ln w="76200">
+            <a:solidFill>
+              <a:srgbClr val="C00000"/>
+            </a:solidFill>
+          </a:ln>
+        </p:spPr>
+        <p:style>
+          <a:lnRef idx="1">
+            <a:schemeClr val="accent1"/>
+          </a:lnRef>
+          <a:fillRef idx="0">
+            <a:schemeClr val="accent1"/>
+          </a:fillRef>
+          <a:effectRef idx="0">
+            <a:schemeClr val="accent1"/>
+          </a:effectRef>
+          <a:fontRef idx="minor">
+            <a:schemeClr val="tx1"/>
+          </a:fontRef>
+        </p:style>
+      </p:cxnSp>
+      <p:cxnSp>
+        <p:nvCxnSpPr>
+          <p:cNvPr id="62" name="Straight Connector 61"/>
+          <p:cNvCxnSpPr/>
+          <p:nvPr/>
+        </p:nvCxnSpPr>
+        <p:spPr>
+          <a:xfrm>
+            <a:off x="7280800" y="8964743"/>
+            <a:ext cx="4688379" cy="3552"/>
+          </a:xfrm>
+          <a:prstGeom prst="line">
+            <a:avLst/>
+          </a:prstGeom>
+          <a:ln w="76200">
+            <a:solidFill>
+              <a:schemeClr val="accent1">
+                <a:lumMod val="50000"/>
+              </a:schemeClr>
+            </a:solidFill>
+          </a:ln>
+        </p:spPr>
+        <p:style>
+          <a:lnRef idx="1">
+            <a:schemeClr val="accent1"/>
+          </a:lnRef>
+          <a:fillRef idx="0">
+            <a:schemeClr val="accent1"/>
+          </a:fillRef>
+          <a:effectRef idx="0">
+            <a:schemeClr val="accent1"/>
+          </a:effectRef>
+          <a:fontRef idx="minor">
+            <a:schemeClr val="tx1"/>
+          </a:fontRef>
+        </p:style>
+      </p:cxnSp>
+      <p:sp>
+        <p:nvSpPr>
+          <p:cNvPr id="63" name="TextBox 62"/>
+          <p:cNvSpPr txBox="1"/>
+          <p:nvPr/>
+        </p:nvSpPr>
+        <p:spPr>
+          <a:xfrm>
+            <a:off x="9233720" y="10761155"/>
+            <a:ext cx="2402379" cy="630494"/>
+          </a:xfrm>
+          <a:prstGeom prst="rect">
+            <a:avLst/>
+          </a:prstGeom>
+          <a:noFill/>
+        </p:spPr>
+        <p:txBody>
+          <a:bodyPr wrap="square" rtlCol="0">
+            <a:spAutoFit/>
+          </a:bodyPr>
+          <a:lstStyle/>
+          <a:p>
+            <a:r>
+              <a:rPr lang="en-US"/>
+              <a:t>Time</a:t>
+            </a:r>
+          </a:p>
+        </p:txBody>
+      </p:sp>
+      <p:sp>
+        <p:nvSpPr>
+          <p:cNvPr id="64" name="TextBox 63"/>
+          <p:cNvSpPr txBox="1"/>
+          <p:nvPr/>
+        </p:nvSpPr>
+        <p:spPr>
+          <a:xfrm>
+            <a:off x="7148448" y="10490007"/>
+            <a:ext cx="5306453" cy="461665"/>
+          </a:xfrm>
+          <a:prstGeom prst="rect">
+            <a:avLst/>
+          </a:prstGeom>
+          <a:noFill/>
+        </p:spPr>
+        <p:txBody>
+          <a:bodyPr wrap="square" rtlCol="0">
+            <a:spAutoFit/>
+          </a:bodyPr>
+          <a:lstStyle/>
+          <a:p>
+            <a:r>
+              <a:rPr lang="en-US" sz="2400" dirty="0" smtClean="0"/>
+              <a:t>0		            </a:t>
+            </a:r>
+            <a:r>
+              <a:rPr lang="en-US" sz="2400" dirty="0" err="1" smtClean="0"/>
+              <a:t>t</a:t>
+            </a:r>
+            <a:r>
+              <a:rPr lang="en-US" sz="2400" baseline="-25000" dirty="0" err="1" smtClean="0"/>
+              <a:t>final</a:t>
+            </a:r>
+            <a:endParaRPr lang="en-US" sz="2400" dirty="0"/>
+          </a:p>
+        </p:txBody>
+      </p:sp>
+      <p:sp>
+        <p:nvSpPr>
+          <p:cNvPr id="65" name="TextBox 64"/>
+          <p:cNvSpPr txBox="1"/>
+          <p:nvPr/>
+        </p:nvSpPr>
+        <p:spPr>
+          <a:xfrm>
+            <a:off x="2690949" y="1900531"/>
+            <a:ext cx="4654510" cy="461665"/>
+          </a:xfrm>
+          <a:prstGeom prst="rect">
+            <a:avLst/>
+          </a:prstGeom>
+          <a:noFill/>
+        </p:spPr>
+        <p:txBody>
+          <a:bodyPr wrap="square" rtlCol="0">
+            <a:spAutoFit/>
+          </a:bodyPr>
+          <a:lstStyle/>
+          <a:p>
+            <a:r>
+              <a:rPr lang="en-US" sz="2400" b="1" dirty="0"/>
+              <a:t>Competition </a:t>
+            </a:r>
+            <a:r>
+              <a:rPr lang="en-US" sz="2400" i="1" dirty="0"/>
+              <a:t>(out-competed)</a:t>
+            </a:r>
+            <a:r>
+              <a:rPr lang="en-US" sz="2400" b="1" dirty="0"/>
+              <a:t>:</a:t>
+            </a:r>
+          </a:p>
+        </p:txBody>
+      </p:sp>
+      <p:sp>
+        <p:nvSpPr>
+          <p:cNvPr id="69" name="TextBox 68"/>
+          <p:cNvSpPr txBox="1"/>
+          <p:nvPr/>
+        </p:nvSpPr>
+        <p:spPr>
+          <a:xfrm>
+            <a:off x="7878769" y="6356629"/>
+            <a:ext cx="4654510" cy="461665"/>
+          </a:xfrm>
+          <a:prstGeom prst="rect">
+            <a:avLst/>
+          </a:prstGeom>
+          <a:noFill/>
+        </p:spPr>
+        <p:txBody>
+          <a:bodyPr wrap="square" rtlCol="0">
+            <a:spAutoFit/>
+          </a:bodyPr>
+          <a:lstStyle/>
+          <a:p>
+            <a:r>
+              <a:rPr lang="en-US" sz="2400" b="1" dirty="0" smtClean="0"/>
+              <a:t>      Mutualism </a:t>
+            </a:r>
+            <a:r>
+              <a:rPr lang="en-US" sz="2400" i="1" dirty="0"/>
+              <a:t>(no effect)</a:t>
+            </a:r>
+            <a:r>
+              <a:rPr lang="en-US" sz="2400" b="1" dirty="0"/>
+              <a:t>:</a:t>
+            </a:r>
+          </a:p>
+        </p:txBody>
+      </p:sp>
+      <p:sp>
+        <p:nvSpPr>
+          <p:cNvPr id="70" name="TextBox 69"/>
+          <p:cNvSpPr txBox="1"/>
+          <p:nvPr/>
+        </p:nvSpPr>
+        <p:spPr>
+          <a:xfrm>
+            <a:off x="7676172" y="1950846"/>
+            <a:ext cx="4654510" cy="461665"/>
+          </a:xfrm>
+          <a:prstGeom prst="rect">
+            <a:avLst/>
+          </a:prstGeom>
+          <a:noFill/>
+        </p:spPr>
+        <p:txBody>
+          <a:bodyPr wrap="square" rtlCol="0">
+            <a:spAutoFit/>
+          </a:bodyPr>
+          <a:lstStyle/>
+          <a:p>
+            <a:r>
+              <a:rPr lang="en-US" sz="2400" b="1" dirty="0" smtClean="0"/>
+              <a:t>  Competition </a:t>
+            </a:r>
+            <a:r>
+              <a:rPr lang="en-US" sz="2400" i="1" dirty="0"/>
+              <a:t>(Mutual Destruction)</a:t>
+            </a:r>
+            <a:r>
+              <a:rPr lang="en-US" sz="2400" b="1" dirty="0"/>
+              <a:t>:</a:t>
+            </a:r>
+          </a:p>
+        </p:txBody>
+      </p:sp>
+      <p:sp>
+        <p:nvSpPr>
+          <p:cNvPr id="71" name="TextBox 70"/>
+          <p:cNvSpPr txBox="1"/>
+          <p:nvPr/>
+        </p:nvSpPr>
+        <p:spPr>
+          <a:xfrm>
+            <a:off x="1866519" y="1542389"/>
+            <a:ext cx="768915" cy="630494"/>
+          </a:xfrm>
+          <a:prstGeom prst="rect">
+            <a:avLst/>
+          </a:prstGeom>
+          <a:noFill/>
+        </p:spPr>
+        <p:txBody>
+          <a:bodyPr wrap="square" rtlCol="0">
+            <a:spAutoFit/>
+          </a:bodyPr>
+          <a:lstStyle/>
+          <a:p>
+            <a:r>
+              <a:rPr lang="en-US" dirty="0" smtClean="0"/>
+              <a:t>A</a:t>
+            </a:r>
+            <a:endParaRPr lang="en-US" dirty="0"/>
+          </a:p>
+        </p:txBody>
+      </p:sp>
+      <p:sp>
+        <p:nvSpPr>
+          <p:cNvPr id="72" name="TextBox 71"/>
+          <p:cNvSpPr txBox="1"/>
+          <p:nvPr/>
+        </p:nvSpPr>
+        <p:spPr>
+          <a:xfrm>
+            <a:off x="7081155" y="1537777"/>
+            <a:ext cx="768915" cy="630494"/>
+          </a:xfrm>
+          <a:prstGeom prst="rect">
+            <a:avLst/>
+          </a:prstGeom>
+          <a:noFill/>
+        </p:spPr>
+        <p:txBody>
+          <a:bodyPr wrap="square" rtlCol="0">
+            <a:spAutoFit/>
+          </a:bodyPr>
+          <a:lstStyle/>
+          <a:p>
+            <a:r>
+              <a:rPr lang="en-US" dirty="0"/>
+              <a:t>B</a:t>
+            </a:r>
+          </a:p>
+        </p:txBody>
+      </p:sp>
+      <p:sp>
+        <p:nvSpPr>
+          <p:cNvPr id="73" name="TextBox 72"/>
+          <p:cNvSpPr txBox="1"/>
+          <p:nvPr/>
+        </p:nvSpPr>
+        <p:spPr>
+          <a:xfrm>
+            <a:off x="1866519" y="6056607"/>
+            <a:ext cx="768915" cy="630494"/>
+          </a:xfrm>
+          <a:prstGeom prst="rect">
+            <a:avLst/>
+          </a:prstGeom>
+          <a:noFill/>
+        </p:spPr>
+        <p:txBody>
+          <a:bodyPr wrap="square" rtlCol="0">
+            <a:spAutoFit/>
+          </a:bodyPr>
+          <a:lstStyle/>
+          <a:p>
+            <a:r>
+              <a:rPr lang="en-US" dirty="0"/>
+              <a:t>C</a:t>
+            </a:r>
+          </a:p>
+        </p:txBody>
+      </p:sp>
+      <p:sp>
+        <p:nvSpPr>
+          <p:cNvPr id="74" name="TextBox 73"/>
+          <p:cNvSpPr txBox="1"/>
+          <p:nvPr/>
+        </p:nvSpPr>
+        <p:spPr>
+          <a:xfrm>
+            <a:off x="7081155" y="6051995"/>
+            <a:ext cx="768915" cy="630494"/>
+          </a:xfrm>
+          <a:prstGeom prst="rect">
+            <a:avLst/>
+          </a:prstGeom>
+          <a:noFill/>
+        </p:spPr>
+        <p:txBody>
+          <a:bodyPr wrap="square" rtlCol="0">
+            <a:spAutoFit/>
+          </a:bodyPr>
+          <a:lstStyle/>
+          <a:p>
+            <a:r>
+              <a:rPr lang="en-US" dirty="0"/>
+              <a:t>D</a:t>
+            </a:r>
+          </a:p>
+        </p:txBody>
+      </p:sp>
+    </p:spTree>
+    <p:extLst>
+      <p:ext uri="{BB962C8B-B14F-4D97-AF65-F5344CB8AC3E}">
+        <p14:creationId xmlns:p14="http://schemas.microsoft.com/office/powerpoint/2010/main" val="832023829"/>
+      </p:ext>
+    </p:extLst>
+  </p:cSld>
+  <p:clrMapOvr>
+    <a:masterClrMapping/>
+  </p:clrMapOvr>
 </p:sld>
 </file>
 
